--- a/man/figures/tamuccGCL_quant.pptx
+++ b/man/figures/tamuccGCL_quant.pptx
@@ -105,7 +105,273 @@
       </a:defRPr>
     </a:lvl9pPr>
   </p:defaultTextStyle>
+  <p:extLst>
+    <p:ext uri="{EFAFB233-063F-42B5-8137-9DF3F51BA10A}">
+      <p15:sldGuideLst xmlns:p15="http://schemas.microsoft.com/office/powerpoint/2012/main"/>
+    </p:ext>
+  </p:extLst>
 </p:presentation>
+</file>
+
+<file path=ppt/revisionInfo.xml><?xml version="1.0" encoding="utf-8"?>
+<p1510:revInfo xmlns:a="http://schemas.openxmlformats.org/drawingml/2006/main" xmlns:r="http://schemas.openxmlformats.org/officeDocument/2006/relationships" xmlns:p1510="http://schemas.microsoft.com/office/powerpoint/2015/10/main">
+  <p1510:revLst>
+    <p1510:client id="{611CEC23-1204-466B-9A3C-E5F3720ACC92}" v="5" dt="2025-01-03T18:41:01.003"/>
+  </p1510:revLst>
+</p1510:revInfo>
+</file>
+
+<file path=ppt/changesInfos/changesInfo1.xml><?xml version="1.0" encoding="utf-8"?>
+<pc:chgInfo xmlns:a="http://schemas.openxmlformats.org/drawingml/2006/main" xmlns:r="http://schemas.openxmlformats.org/officeDocument/2006/relationships" xmlns:ac="http://schemas.microsoft.com/office/drawing/2013/main/command" xmlns:pc="http://schemas.microsoft.com/office/powerpoint/2013/main/command">
+  <pc:docChgLst>
+    <pc:chgData name="Labrador, Kevin" userId="09a0a055-7062-4115-90cf-b754a01a514b" providerId="ADAL" clId="{611CEC23-1204-466B-9A3C-E5F3720ACC92}"/>
+    <pc:docChg chg="undo custSel modSld">
+      <pc:chgData name="Labrador, Kevin" userId="09a0a055-7062-4115-90cf-b754a01a514b" providerId="ADAL" clId="{611CEC23-1204-466B-9A3C-E5F3720ACC92}" dt="2025-01-03T18:41:01" v="18" actId="164"/>
+      <pc:docMkLst>
+        <pc:docMk/>
+      </pc:docMkLst>
+      <pc:sldChg chg="addSp delSp modSp mod">
+        <pc:chgData name="Labrador, Kevin" userId="09a0a055-7062-4115-90cf-b754a01a514b" providerId="ADAL" clId="{611CEC23-1204-466B-9A3C-E5F3720ACC92}" dt="2025-01-03T18:41:01" v="18" actId="164"/>
+        <pc:sldMkLst>
+          <pc:docMk/>
+          <pc:sldMk cId="751417546" sldId="257"/>
+        </pc:sldMkLst>
+        <pc:spChg chg="add mod ord topLvl">
+          <ac:chgData name="Labrador, Kevin" userId="09a0a055-7062-4115-90cf-b754a01a514b" providerId="ADAL" clId="{611CEC23-1204-466B-9A3C-E5F3720ACC92}" dt="2025-01-03T18:41:01" v="18" actId="164"/>
+          <ac:spMkLst>
+            <pc:docMk/>
+            <pc:sldMk cId="751417546" sldId="257"/>
+            <ac:spMk id="2" creationId="{DA5482FA-4362-3DAD-3728-CEC30B574BCB}"/>
+          </ac:spMkLst>
+        </pc:spChg>
+        <pc:spChg chg="mod">
+          <ac:chgData name="Labrador, Kevin" userId="09a0a055-7062-4115-90cf-b754a01a514b" providerId="ADAL" clId="{611CEC23-1204-466B-9A3C-E5F3720ACC92}" dt="2025-01-03T18:40:54.025" v="14" actId="165"/>
+          <ac:spMkLst>
+            <pc:docMk/>
+            <pc:sldMk cId="751417546" sldId="257"/>
+            <ac:spMk id="5" creationId="{48377D29-0690-3122-AA70-22DBA0C84406}"/>
+          </ac:spMkLst>
+        </pc:spChg>
+        <pc:spChg chg="mod">
+          <ac:chgData name="Labrador, Kevin" userId="09a0a055-7062-4115-90cf-b754a01a514b" providerId="ADAL" clId="{611CEC23-1204-466B-9A3C-E5F3720ACC92}" dt="2025-01-03T18:40:54.025" v="14" actId="165"/>
+          <ac:spMkLst>
+            <pc:docMk/>
+            <pc:sldMk cId="751417546" sldId="257"/>
+            <ac:spMk id="8" creationId="{7E042F09-D22B-933F-41D2-574869ACFD08}"/>
+          </ac:spMkLst>
+        </pc:spChg>
+        <pc:spChg chg="mod">
+          <ac:chgData name="Labrador, Kevin" userId="09a0a055-7062-4115-90cf-b754a01a514b" providerId="ADAL" clId="{611CEC23-1204-466B-9A3C-E5F3720ACC92}" dt="2025-01-03T18:40:54.025" v="14" actId="165"/>
+          <ac:spMkLst>
+            <pc:docMk/>
+            <pc:sldMk cId="751417546" sldId="257"/>
+            <ac:spMk id="9" creationId="{65FC5BB7-A257-8281-3B49-CD85BD73A563}"/>
+          </ac:spMkLst>
+        </pc:spChg>
+        <pc:spChg chg="mod">
+          <ac:chgData name="Labrador, Kevin" userId="09a0a055-7062-4115-90cf-b754a01a514b" providerId="ADAL" clId="{611CEC23-1204-466B-9A3C-E5F3720ACC92}" dt="2025-01-03T18:40:54.025" v="14" actId="165"/>
+          <ac:spMkLst>
+            <pc:docMk/>
+            <pc:sldMk cId="751417546" sldId="257"/>
+            <ac:spMk id="10" creationId="{153034E0-B921-CD5C-E306-280EB5EB33F6}"/>
+          </ac:spMkLst>
+        </pc:spChg>
+        <pc:spChg chg="mod">
+          <ac:chgData name="Labrador, Kevin" userId="09a0a055-7062-4115-90cf-b754a01a514b" providerId="ADAL" clId="{611CEC23-1204-466B-9A3C-E5F3720ACC92}" dt="2025-01-03T18:40:54.025" v="14" actId="165"/>
+          <ac:spMkLst>
+            <pc:docMk/>
+            <pc:sldMk cId="751417546" sldId="257"/>
+            <ac:spMk id="11" creationId="{39DDA1E3-57CE-6A82-3726-9C700B5E61F7}"/>
+          </ac:spMkLst>
+        </pc:spChg>
+        <pc:spChg chg="mod">
+          <ac:chgData name="Labrador, Kevin" userId="09a0a055-7062-4115-90cf-b754a01a514b" providerId="ADAL" clId="{611CEC23-1204-466B-9A3C-E5F3720ACC92}" dt="2025-01-03T18:40:54.025" v="14" actId="165"/>
+          <ac:spMkLst>
+            <pc:docMk/>
+            <pc:sldMk cId="751417546" sldId="257"/>
+            <ac:spMk id="18" creationId="{2D6909F8-7F28-B681-A194-05E9CA1869F0}"/>
+          </ac:spMkLst>
+        </pc:spChg>
+        <pc:spChg chg="mod">
+          <ac:chgData name="Labrador, Kevin" userId="09a0a055-7062-4115-90cf-b754a01a514b" providerId="ADAL" clId="{611CEC23-1204-466B-9A3C-E5F3720ACC92}" dt="2025-01-03T18:40:54.025" v="14" actId="165"/>
+          <ac:spMkLst>
+            <pc:docMk/>
+            <pc:sldMk cId="751417546" sldId="257"/>
+            <ac:spMk id="32" creationId="{F57D84DB-EEC3-0AA8-3D3A-CF44B0109650}"/>
+          </ac:spMkLst>
+        </pc:spChg>
+        <pc:spChg chg="mod">
+          <ac:chgData name="Labrador, Kevin" userId="09a0a055-7062-4115-90cf-b754a01a514b" providerId="ADAL" clId="{611CEC23-1204-466B-9A3C-E5F3720ACC92}" dt="2025-01-03T18:40:54.025" v="14" actId="165"/>
+          <ac:spMkLst>
+            <pc:docMk/>
+            <pc:sldMk cId="751417546" sldId="257"/>
+            <ac:spMk id="33" creationId="{70A3E1B5-988C-9FD3-8147-A371D531051F}"/>
+          </ac:spMkLst>
+        </pc:spChg>
+        <pc:spChg chg="mod">
+          <ac:chgData name="Labrador, Kevin" userId="09a0a055-7062-4115-90cf-b754a01a514b" providerId="ADAL" clId="{611CEC23-1204-466B-9A3C-E5F3720ACC92}" dt="2025-01-03T18:40:54.025" v="14" actId="165"/>
+          <ac:spMkLst>
+            <pc:docMk/>
+            <pc:sldMk cId="751417546" sldId="257"/>
+            <ac:spMk id="35" creationId="{5F171BB2-83B9-CE4C-FA46-AB13223D248D}"/>
+          </ac:spMkLst>
+        </pc:spChg>
+        <pc:spChg chg="mod">
+          <ac:chgData name="Labrador, Kevin" userId="09a0a055-7062-4115-90cf-b754a01a514b" providerId="ADAL" clId="{611CEC23-1204-466B-9A3C-E5F3720ACC92}" dt="2025-01-03T18:40:54.025" v="14" actId="165"/>
+          <ac:spMkLst>
+            <pc:docMk/>
+            <pc:sldMk cId="751417546" sldId="257"/>
+            <ac:spMk id="40" creationId="{75A49CEA-0EE1-7FAD-6BE7-73FCFFC786C7}"/>
+          </ac:spMkLst>
+        </pc:spChg>
+        <pc:spChg chg="mod">
+          <ac:chgData name="Labrador, Kevin" userId="09a0a055-7062-4115-90cf-b754a01a514b" providerId="ADAL" clId="{611CEC23-1204-466B-9A3C-E5F3720ACC92}" dt="2025-01-03T18:40:54.025" v="14" actId="165"/>
+          <ac:spMkLst>
+            <pc:docMk/>
+            <pc:sldMk cId="751417546" sldId="257"/>
+            <ac:spMk id="57" creationId="{650C313A-49B4-60D0-1B50-BC794C103E66}"/>
+          </ac:spMkLst>
+        </pc:spChg>
+        <pc:spChg chg="mod">
+          <ac:chgData name="Labrador, Kevin" userId="09a0a055-7062-4115-90cf-b754a01a514b" providerId="ADAL" clId="{611CEC23-1204-466B-9A3C-E5F3720ACC92}" dt="2025-01-03T18:40:54.025" v="14" actId="165"/>
+          <ac:spMkLst>
+            <pc:docMk/>
+            <pc:sldMk cId="751417546" sldId="257"/>
+            <ac:spMk id="63" creationId="{8068E9BE-39C0-4BFC-80A0-9AE27CE8C32B}"/>
+          </ac:spMkLst>
+        </pc:spChg>
+        <pc:spChg chg="mod">
+          <ac:chgData name="Labrador, Kevin" userId="09a0a055-7062-4115-90cf-b754a01a514b" providerId="ADAL" clId="{611CEC23-1204-466B-9A3C-E5F3720ACC92}" dt="2025-01-03T18:40:54.025" v="14" actId="165"/>
+          <ac:spMkLst>
+            <pc:docMk/>
+            <pc:sldMk cId="751417546" sldId="257"/>
+            <ac:spMk id="64" creationId="{7EC254EE-F596-B24E-335F-90BB86829B97}"/>
+          </ac:spMkLst>
+        </pc:spChg>
+        <pc:spChg chg="mod">
+          <ac:chgData name="Labrador, Kevin" userId="09a0a055-7062-4115-90cf-b754a01a514b" providerId="ADAL" clId="{611CEC23-1204-466B-9A3C-E5F3720ACC92}" dt="2025-01-03T18:40:54.025" v="14" actId="165"/>
+          <ac:spMkLst>
+            <pc:docMk/>
+            <pc:sldMk cId="751417546" sldId="257"/>
+            <ac:spMk id="65" creationId="{9CFA6158-797A-0A2E-90F9-1495D60CF970}"/>
+          </ac:spMkLst>
+        </pc:spChg>
+        <pc:spChg chg="mod">
+          <ac:chgData name="Labrador, Kevin" userId="09a0a055-7062-4115-90cf-b754a01a514b" providerId="ADAL" clId="{611CEC23-1204-466B-9A3C-E5F3720ACC92}" dt="2025-01-03T18:40:54.025" v="14" actId="165"/>
+          <ac:spMkLst>
+            <pc:docMk/>
+            <pc:sldMk cId="751417546" sldId="257"/>
+            <ac:spMk id="68" creationId="{19D93462-3A91-89C6-9D45-165AEEFD5BF9}"/>
+          </ac:spMkLst>
+        </pc:spChg>
+        <pc:grpChg chg="add mod">
+          <ac:chgData name="Labrador, Kevin" userId="09a0a055-7062-4115-90cf-b754a01a514b" providerId="ADAL" clId="{611CEC23-1204-466B-9A3C-E5F3720ACC92}" dt="2025-01-03T18:40:25.990" v="7" actId="164"/>
+          <ac:grpSpMkLst>
+            <pc:docMk/>
+            <pc:sldMk cId="751417546" sldId="257"/>
+            <ac:grpSpMk id="3" creationId="{5966F34B-9B7B-4E0A-D44E-7E866F2111C4}"/>
+          </ac:grpSpMkLst>
+        </pc:grpChg>
+        <pc:grpChg chg="add del mod">
+          <ac:chgData name="Labrador, Kevin" userId="09a0a055-7062-4115-90cf-b754a01a514b" providerId="ADAL" clId="{611CEC23-1204-466B-9A3C-E5F3720ACC92}" dt="2025-01-03T18:40:54.025" v="14" actId="165"/>
+          <ac:grpSpMkLst>
+            <pc:docMk/>
+            <pc:sldMk cId="751417546" sldId="257"/>
+            <ac:grpSpMk id="4" creationId="{99D0C390-241B-6911-E3C0-4E04FF822825}"/>
+          </ac:grpSpMkLst>
+        </pc:grpChg>
+        <pc:grpChg chg="add mod">
+          <ac:chgData name="Labrador, Kevin" userId="09a0a055-7062-4115-90cf-b754a01a514b" providerId="ADAL" clId="{611CEC23-1204-466B-9A3C-E5F3720ACC92}" dt="2025-01-03T18:41:01" v="18" actId="164"/>
+          <ac:grpSpMkLst>
+            <pc:docMk/>
+            <pc:sldMk cId="751417546" sldId="257"/>
+            <ac:grpSpMk id="6" creationId="{88411380-61B1-3BC0-BCD8-411DCC389778}"/>
+          </ac:grpSpMkLst>
+        </pc:grpChg>
+        <pc:grpChg chg="mod">
+          <ac:chgData name="Labrador, Kevin" userId="09a0a055-7062-4115-90cf-b754a01a514b" providerId="ADAL" clId="{611CEC23-1204-466B-9A3C-E5F3720ACC92}" dt="2025-01-03T18:40:54.025" v="14" actId="165"/>
+          <ac:grpSpMkLst>
+            <pc:docMk/>
+            <pc:sldMk cId="751417546" sldId="257"/>
+            <ac:grpSpMk id="56" creationId="{6A07D46A-22F0-2A92-1FE2-F1C900D4CCEF}"/>
+          </ac:grpSpMkLst>
+        </pc:grpChg>
+        <pc:grpChg chg="mod">
+          <ac:chgData name="Labrador, Kevin" userId="09a0a055-7062-4115-90cf-b754a01a514b" providerId="ADAL" clId="{611CEC23-1204-466B-9A3C-E5F3720ACC92}" dt="2025-01-03T18:40:54.025" v="14" actId="165"/>
+          <ac:grpSpMkLst>
+            <pc:docMk/>
+            <pc:sldMk cId="751417546" sldId="257"/>
+            <ac:grpSpMk id="59" creationId="{D63CD509-989D-C825-E9FD-57C97CBF4EBB}"/>
+          </ac:grpSpMkLst>
+        </pc:grpChg>
+        <pc:grpChg chg="mod">
+          <ac:chgData name="Labrador, Kevin" userId="09a0a055-7062-4115-90cf-b754a01a514b" providerId="ADAL" clId="{611CEC23-1204-466B-9A3C-E5F3720ACC92}" dt="2025-01-03T18:40:54.025" v="14" actId="165"/>
+          <ac:grpSpMkLst>
+            <pc:docMk/>
+            <pc:sldMk cId="751417546" sldId="257"/>
+            <ac:grpSpMk id="62" creationId="{51DEF58F-5DFA-899E-F472-2AF2CD009147}"/>
+          </ac:grpSpMkLst>
+        </pc:grpChg>
+        <pc:grpChg chg="mod">
+          <ac:chgData name="Labrador, Kevin" userId="09a0a055-7062-4115-90cf-b754a01a514b" providerId="ADAL" clId="{611CEC23-1204-466B-9A3C-E5F3720ACC92}" dt="2025-01-03T18:40:54.025" v="14" actId="165"/>
+          <ac:grpSpMkLst>
+            <pc:docMk/>
+            <pc:sldMk cId="751417546" sldId="257"/>
+            <ac:grpSpMk id="67" creationId="{15AB7FD4-327F-C2EB-E5A9-6E527D104BE3}"/>
+          </ac:grpSpMkLst>
+        </pc:grpChg>
+        <pc:grpChg chg="mod">
+          <ac:chgData name="Labrador, Kevin" userId="09a0a055-7062-4115-90cf-b754a01a514b" providerId="ADAL" clId="{611CEC23-1204-466B-9A3C-E5F3720ACC92}" dt="2025-01-03T18:40:54.025" v="14" actId="165"/>
+          <ac:grpSpMkLst>
+            <pc:docMk/>
+            <pc:sldMk cId="751417546" sldId="257"/>
+            <ac:grpSpMk id="69" creationId="{1A754CD6-9B76-6A51-0791-61FFBDF9F4EB}"/>
+          </ac:grpSpMkLst>
+        </pc:grpChg>
+        <pc:grpChg chg="mod topLvl">
+          <ac:chgData name="Labrador, Kevin" userId="09a0a055-7062-4115-90cf-b754a01a514b" providerId="ADAL" clId="{611CEC23-1204-466B-9A3C-E5F3720ACC92}" dt="2025-01-03T18:41:01" v="18" actId="164"/>
+          <ac:grpSpMkLst>
+            <pc:docMk/>
+            <pc:sldMk cId="751417546" sldId="257"/>
+            <ac:grpSpMk id="71" creationId="{23A52B67-7CC8-1A20-2150-D2D7CEBBD0B3}"/>
+          </ac:grpSpMkLst>
+        </pc:grpChg>
+        <pc:graphicFrameChg chg="mod">
+          <ac:chgData name="Labrador, Kevin" userId="09a0a055-7062-4115-90cf-b754a01a514b" providerId="ADAL" clId="{611CEC23-1204-466B-9A3C-E5F3720ACC92}" dt="2025-01-03T18:40:54.025" v="14" actId="165"/>
+          <ac:graphicFrameMkLst>
+            <pc:docMk/>
+            <pc:sldMk cId="751417546" sldId="257"/>
+            <ac:graphicFrameMk id="7" creationId="{7FAEE9DA-7F0C-D299-7590-8641C7928D34}"/>
+          </ac:graphicFrameMkLst>
+        </pc:graphicFrameChg>
+        <pc:cxnChg chg="mod">
+          <ac:chgData name="Labrador, Kevin" userId="09a0a055-7062-4115-90cf-b754a01a514b" providerId="ADAL" clId="{611CEC23-1204-466B-9A3C-E5F3720ACC92}" dt="2025-01-03T18:40:54.025" v="14" actId="165"/>
+          <ac:cxnSpMkLst>
+            <pc:docMk/>
+            <pc:sldMk cId="751417546" sldId="257"/>
+            <ac:cxnSpMk id="38" creationId="{A17A7856-F6ED-5448-805F-75BD204C05EF}"/>
+          </ac:cxnSpMkLst>
+        </pc:cxnChg>
+        <pc:cxnChg chg="mod">
+          <ac:chgData name="Labrador, Kevin" userId="09a0a055-7062-4115-90cf-b754a01a514b" providerId="ADAL" clId="{611CEC23-1204-466B-9A3C-E5F3720ACC92}" dt="2025-01-03T18:40:54.025" v="14" actId="165"/>
+          <ac:cxnSpMkLst>
+            <pc:docMk/>
+            <pc:sldMk cId="751417546" sldId="257"/>
+            <ac:cxnSpMk id="44" creationId="{7A444421-1C85-554C-2700-1056639F5114}"/>
+          </ac:cxnSpMkLst>
+        </pc:cxnChg>
+        <pc:cxnChg chg="mod">
+          <ac:chgData name="Labrador, Kevin" userId="09a0a055-7062-4115-90cf-b754a01a514b" providerId="ADAL" clId="{611CEC23-1204-466B-9A3C-E5F3720ACC92}" dt="2025-01-03T18:40:54.025" v="14" actId="165"/>
+          <ac:cxnSpMkLst>
+            <pc:docMk/>
+            <pc:sldMk cId="751417546" sldId="257"/>
+            <ac:cxnSpMk id="52" creationId="{357C2FFE-434A-27F9-B3ED-AA9CDEEAB264}"/>
+          </ac:cxnSpMkLst>
+        </pc:cxnChg>
+      </pc:sldChg>
+    </pc:docChg>
+  </pc:docChgLst>
+</pc:chgInfo>
 </file>
 
 <file path=ppt/diagrams/colors1.xml><?xml version="1.0" encoding="utf-8"?>
@@ -10109,10 +10375,10 @@
       </p:grpSpPr>
       <p:grpSp>
         <p:nvGrpSpPr>
-          <p:cNvPr id="71" name="Group 70">
+          <p:cNvPr id="6" name="Group 5">
             <a:extLst>
               <a:ext uri="{FF2B5EF4-FFF2-40B4-BE49-F238E27FC236}">
-                <a16:creationId xmlns:a16="http://schemas.microsoft.com/office/drawing/2014/main" id="{23A52B67-7CC8-1A20-2150-D2D7CEBBD0B3}"/>
+                <a16:creationId xmlns:a16="http://schemas.microsoft.com/office/drawing/2014/main" id="{88411380-61B1-3BC0-BCD8-411DCC389778}"/>
               </a:ext>
             </a:extLst>
           </p:cNvPr>
@@ -10121,18 +10387,18 @@
         </p:nvGrpSpPr>
         <p:grpSpPr>
           <a:xfrm>
-            <a:off x="214920" y="182323"/>
-            <a:ext cx="11762159" cy="6221113"/>
-            <a:chOff x="214920" y="182323"/>
-            <a:chExt cx="11762159" cy="6221113"/>
+            <a:off x="0" y="0"/>
+            <a:ext cx="12192000" cy="6553200"/>
+            <a:chOff x="0" y="0"/>
+            <a:chExt cx="12192000" cy="6553200"/>
           </a:xfrm>
         </p:grpSpPr>
         <p:sp>
           <p:nvSpPr>
-            <p:cNvPr id="9" name="Rectangle: Rounded Corners 8">
+            <p:cNvPr id="2" name="Rectangle 1">
               <a:extLst>
                 <a:ext uri="{FF2B5EF4-FFF2-40B4-BE49-F238E27FC236}">
-                  <a16:creationId xmlns:a16="http://schemas.microsoft.com/office/drawing/2014/main" id="{65FC5BB7-A257-8281-3B49-CD85BD73A563}"/>
+                  <a16:creationId xmlns:a16="http://schemas.microsoft.com/office/drawing/2014/main" id="{DA5482FA-4362-3DAD-3728-CEC30B574BCB}"/>
                 </a:ext>
               </a:extLst>
             </p:cNvPr>
@@ -10141,72 +10407,15 @@
           </p:nvSpPr>
           <p:spPr>
             <a:xfrm>
-              <a:off x="214920" y="669919"/>
-              <a:ext cx="2778369" cy="445477"/>
+              <a:off x="0" y="0"/>
+              <a:ext cx="12192000" cy="6553200"/>
             </a:xfrm>
-            <a:prstGeom prst="roundRect">
+            <a:prstGeom prst="rect">
               <a:avLst/>
             </a:prstGeom>
-            <a:noFill/>
-            <a:ln>
-              <a:noFill/>
-            </a:ln>
-          </p:spPr>
-          <p:style>
-            <a:lnRef idx="2">
-              <a:schemeClr val="accent1">
-                <a:shade val="15000"/>
-              </a:schemeClr>
-            </a:lnRef>
-            <a:fillRef idx="1">
-              <a:schemeClr val="accent1"/>
-            </a:fillRef>
-            <a:effectRef idx="0">
-              <a:schemeClr val="accent1"/>
-            </a:effectRef>
-            <a:fontRef idx="minor">
-              <a:schemeClr val="lt1"/>
-            </a:fontRef>
-          </p:style>
-          <p:txBody>
-            <a:bodyPr rtlCol="0" anchor="ctr"/>
-            <a:lstStyle/>
-            <a:p>
-              <a:r>
-                <a:rPr lang="en-PH" sz="1400" dirty="0">
-                  <a:solidFill>
-                    <a:sysClr val="windowText" lastClr="000000"/>
-                  </a:solidFill>
-                </a:rPr>
-                <a:t>*Path to the files in CSV format</a:t>
-              </a:r>
-            </a:p>
-          </p:txBody>
-        </p:sp>
-        <p:sp>
-          <p:nvSpPr>
-            <p:cNvPr id="10" name="Rectangle: Rounded Corners 9">
-              <a:extLst>
-                <a:ext uri="{FF2B5EF4-FFF2-40B4-BE49-F238E27FC236}">
-                  <a16:creationId xmlns:a16="http://schemas.microsoft.com/office/drawing/2014/main" id="{153034E0-B921-CD5C-E306-280EB5EB33F6}"/>
-                </a:ext>
-              </a:extLst>
-            </p:cNvPr>
-            <p:cNvSpPr/>
-            <p:nvPr/>
-          </p:nvSpPr>
-          <p:spPr>
-            <a:xfrm>
-              <a:off x="214921" y="182324"/>
-              <a:ext cx="2473569" cy="445477"/>
-            </a:xfrm>
-            <a:prstGeom prst="roundRect">
-              <a:avLst/>
-            </a:prstGeom>
-            <a:noFill/>
-            <a:ln>
-              <a:noFill/>
-            </a:ln>
+            <a:solidFill>
+              <a:schemeClr val="bg1"/>
+            </a:solidFill>
           </p:spPr>
           <p:style>
             <a:lnRef idx="2">
@@ -10229,23 +10438,16 @@
             <a:lstStyle/>
             <a:p>
               <a:pPr algn="ctr"/>
-              <a:r>
-                <a:rPr lang="en-PH" sz="2800" b="1" u="sng" dirty="0">
-                  <a:solidFill>
-                    <a:sysClr val="windowText" lastClr="000000"/>
-                  </a:solidFill>
-                </a:rPr>
-                <a:t>INPUT*</a:t>
-              </a:r>
+              <a:endParaRPr lang="en-PH"/>
             </a:p>
           </p:txBody>
         </p:sp>
         <p:grpSp>
           <p:nvGrpSpPr>
-            <p:cNvPr id="69" name="Group 68">
+            <p:cNvPr id="71" name="Group 70">
               <a:extLst>
                 <a:ext uri="{FF2B5EF4-FFF2-40B4-BE49-F238E27FC236}">
-                  <a16:creationId xmlns:a16="http://schemas.microsoft.com/office/drawing/2014/main" id="{1A754CD6-9B76-6A51-0791-61FFBDF9F4EB}"/>
+                  <a16:creationId xmlns:a16="http://schemas.microsoft.com/office/drawing/2014/main" id="{23A52B67-7CC8-1A20-2150-D2D7CEBBD0B3}"/>
                 </a:ext>
               </a:extLst>
             </p:cNvPr>
@@ -10254,46 +10456,18 @@
           </p:nvGrpSpPr>
           <p:grpSpPr>
             <a:xfrm>
-              <a:off x="214921" y="1041463"/>
-              <a:ext cx="2778369" cy="4256251"/>
-              <a:chOff x="164122" y="1041463"/>
-              <a:chExt cx="2778369" cy="4256251"/>
+              <a:off x="214920" y="182323"/>
+              <a:ext cx="11762159" cy="6221113"/>
+              <a:chOff x="214920" y="182323"/>
+              <a:chExt cx="11762159" cy="6221113"/>
             </a:xfrm>
           </p:grpSpPr>
-          <p:graphicFrame>
-            <p:nvGraphicFramePr>
-              <p:cNvPr id="7" name="Diagram 6">
+          <p:sp>
+            <p:nvSpPr>
+              <p:cNvPr id="9" name="Rectangle: Rounded Corners 8">
                 <a:extLst>
                   <a:ext uri="{FF2B5EF4-FFF2-40B4-BE49-F238E27FC236}">
-                    <a16:creationId xmlns:a16="http://schemas.microsoft.com/office/drawing/2014/main" id="{7FAEE9DA-7F0C-D299-7590-8641C7928D34}"/>
-                  </a:ext>
-                </a:extLst>
-              </p:cNvPr>
-              <p:cNvGraphicFramePr/>
-              <p:nvPr>
-                <p:extLst>
-                  <p:ext uri="{D42A27DB-BD31-4B8C-83A1-F6EECF244321}">
-                    <p14:modId xmlns:p14="http://schemas.microsoft.com/office/powerpoint/2010/main" val="776033419"/>
-                  </p:ext>
-                </p:extLst>
-              </p:nvPr>
-            </p:nvGraphicFramePr>
-            <p:xfrm>
-              <a:off x="465014" y="1189329"/>
-              <a:ext cx="2176585" cy="3878058"/>
-            </p:xfrm>
-            <a:graphic>
-              <a:graphicData uri="http://schemas.openxmlformats.org/drawingml/2006/diagram">
-                <dgm:relIds xmlns:dgm="http://schemas.openxmlformats.org/drawingml/2006/diagram" xmlns:r="http://schemas.openxmlformats.org/officeDocument/2006/relationships" r:dm="rId2" r:lo="rId3" r:qs="rId4" r:cs="rId5"/>
-              </a:graphicData>
-            </a:graphic>
-          </p:graphicFrame>
-          <p:sp>
-            <p:nvSpPr>
-              <p:cNvPr id="11" name="Rectangle: Rounded Corners 10">
-                <a:extLst>
-                  <a:ext uri="{FF2B5EF4-FFF2-40B4-BE49-F238E27FC236}">
-                    <a16:creationId xmlns:a16="http://schemas.microsoft.com/office/drawing/2014/main" id="{39DDA1E3-57CE-6A82-3726-9C700B5E61F7}"/>
+                    <a16:creationId xmlns:a16="http://schemas.microsoft.com/office/drawing/2014/main" id="{65FC5BB7-A257-8281-3B49-CD85BD73A563}"/>
                   </a:ext>
                 </a:extLst>
               </p:cNvPr>
@@ -10302,8 +10476,1081 @@
             </p:nvSpPr>
             <p:spPr>
               <a:xfrm>
-                <a:off x="164122" y="1041463"/>
+                <a:off x="214920" y="669919"/>
+                <a:ext cx="2778369" cy="445477"/>
+              </a:xfrm>
+              <a:prstGeom prst="roundRect">
+                <a:avLst/>
+              </a:prstGeom>
+              <a:noFill/>
+              <a:ln>
+                <a:noFill/>
+              </a:ln>
+            </p:spPr>
+            <p:style>
+              <a:lnRef idx="2">
+                <a:schemeClr val="accent1">
+                  <a:shade val="15000"/>
+                </a:schemeClr>
+              </a:lnRef>
+              <a:fillRef idx="1">
+                <a:schemeClr val="accent1"/>
+              </a:fillRef>
+              <a:effectRef idx="0">
+                <a:schemeClr val="accent1"/>
+              </a:effectRef>
+              <a:fontRef idx="minor">
+                <a:schemeClr val="lt1"/>
+              </a:fontRef>
+            </p:style>
+            <p:txBody>
+              <a:bodyPr rtlCol="0" anchor="ctr"/>
+              <a:lstStyle/>
+              <a:p>
+                <a:r>
+                  <a:rPr lang="en-PH" sz="1400" dirty="0">
+                    <a:solidFill>
+                      <a:sysClr val="windowText" lastClr="000000"/>
+                    </a:solidFill>
+                  </a:rPr>
+                  <a:t>*Path to the files in CSV format</a:t>
+                </a:r>
+              </a:p>
+            </p:txBody>
+          </p:sp>
+          <p:sp>
+            <p:nvSpPr>
+              <p:cNvPr id="10" name="Rectangle: Rounded Corners 9">
+                <a:extLst>
+                  <a:ext uri="{FF2B5EF4-FFF2-40B4-BE49-F238E27FC236}">
+                    <a16:creationId xmlns:a16="http://schemas.microsoft.com/office/drawing/2014/main" id="{153034E0-B921-CD5C-E306-280EB5EB33F6}"/>
+                  </a:ext>
+                </a:extLst>
+              </p:cNvPr>
+              <p:cNvSpPr/>
+              <p:nvPr/>
+            </p:nvSpPr>
+            <p:spPr>
+              <a:xfrm>
+                <a:off x="214921" y="182324"/>
+                <a:ext cx="2473569" cy="445477"/>
+              </a:xfrm>
+              <a:prstGeom prst="roundRect">
+                <a:avLst/>
+              </a:prstGeom>
+              <a:noFill/>
+              <a:ln>
+                <a:noFill/>
+              </a:ln>
+            </p:spPr>
+            <p:style>
+              <a:lnRef idx="2">
+                <a:schemeClr val="accent1">
+                  <a:shade val="15000"/>
+                </a:schemeClr>
+              </a:lnRef>
+              <a:fillRef idx="1">
+                <a:schemeClr val="accent1"/>
+              </a:fillRef>
+              <a:effectRef idx="0">
+                <a:schemeClr val="accent1"/>
+              </a:effectRef>
+              <a:fontRef idx="minor">
+                <a:schemeClr val="lt1"/>
+              </a:fontRef>
+            </p:style>
+            <p:txBody>
+              <a:bodyPr rtlCol="0" anchor="ctr"/>
+              <a:lstStyle/>
+              <a:p>
+                <a:pPr algn="ctr"/>
+                <a:r>
+                  <a:rPr lang="en-PH" sz="2800" b="1" u="sng" dirty="0">
+                    <a:solidFill>
+                      <a:sysClr val="windowText" lastClr="000000"/>
+                    </a:solidFill>
+                  </a:rPr>
+                  <a:t>INPUT*</a:t>
+                </a:r>
+              </a:p>
+            </p:txBody>
+          </p:sp>
+          <p:grpSp>
+            <p:nvGrpSpPr>
+              <p:cNvPr id="69" name="Group 68">
+                <a:extLst>
+                  <a:ext uri="{FF2B5EF4-FFF2-40B4-BE49-F238E27FC236}">
+                    <a16:creationId xmlns:a16="http://schemas.microsoft.com/office/drawing/2014/main" id="{1A754CD6-9B76-6A51-0791-61FFBDF9F4EB}"/>
+                  </a:ext>
+                </a:extLst>
+              </p:cNvPr>
+              <p:cNvGrpSpPr/>
+              <p:nvPr/>
+            </p:nvGrpSpPr>
+            <p:grpSpPr>
+              <a:xfrm>
+                <a:off x="214921" y="1041463"/>
                 <a:ext cx="2778369" cy="4256251"/>
+                <a:chOff x="164122" y="1041463"/>
+                <a:chExt cx="2778369" cy="4256251"/>
+              </a:xfrm>
+            </p:grpSpPr>
+            <p:graphicFrame>
+              <p:nvGraphicFramePr>
+                <p:cNvPr id="7" name="Diagram 6">
+                  <a:extLst>
+                    <a:ext uri="{FF2B5EF4-FFF2-40B4-BE49-F238E27FC236}">
+                      <a16:creationId xmlns:a16="http://schemas.microsoft.com/office/drawing/2014/main" id="{7FAEE9DA-7F0C-D299-7590-8641C7928D34}"/>
+                    </a:ext>
+                  </a:extLst>
+                </p:cNvPr>
+                <p:cNvGraphicFramePr/>
+                <p:nvPr>
+                  <p:extLst>
+                    <p:ext uri="{D42A27DB-BD31-4B8C-83A1-F6EECF244321}">
+                      <p14:modId xmlns:p14="http://schemas.microsoft.com/office/powerpoint/2010/main" val="776033419"/>
+                    </p:ext>
+                  </p:extLst>
+                </p:nvPr>
+              </p:nvGraphicFramePr>
+              <p:xfrm>
+                <a:off x="465014" y="1189329"/>
+                <a:ext cx="2176585" cy="3878058"/>
+              </p:xfrm>
+              <a:graphic>
+                <a:graphicData uri="http://schemas.openxmlformats.org/drawingml/2006/diagram">
+                  <dgm:relIds xmlns:dgm="http://schemas.openxmlformats.org/drawingml/2006/diagram" xmlns:r="http://schemas.openxmlformats.org/officeDocument/2006/relationships" r:dm="rId2" r:lo="rId3" r:qs="rId4" r:cs="rId5"/>
+                </a:graphicData>
+              </a:graphic>
+            </p:graphicFrame>
+            <p:sp>
+              <p:nvSpPr>
+                <p:cNvPr id="11" name="Rectangle: Rounded Corners 10">
+                  <a:extLst>
+                    <a:ext uri="{FF2B5EF4-FFF2-40B4-BE49-F238E27FC236}">
+                      <a16:creationId xmlns:a16="http://schemas.microsoft.com/office/drawing/2014/main" id="{39DDA1E3-57CE-6A82-3726-9C700B5E61F7}"/>
+                    </a:ext>
+                  </a:extLst>
+                </p:cNvPr>
+                <p:cNvSpPr/>
+                <p:nvPr/>
+              </p:nvSpPr>
+              <p:spPr>
+                <a:xfrm>
+                  <a:off x="164122" y="1041463"/>
+                  <a:ext cx="2778369" cy="4256251"/>
+                </a:xfrm>
+                <a:prstGeom prst="roundRect">
+                  <a:avLst>
+                    <a:gd name="adj" fmla="val 0"/>
+                  </a:avLst>
+                </a:prstGeom>
+                <a:noFill/>
+              </p:spPr>
+              <p:style>
+                <a:lnRef idx="2">
+                  <a:schemeClr val="accent1">
+                    <a:shade val="15000"/>
+                  </a:schemeClr>
+                </a:lnRef>
+                <a:fillRef idx="1">
+                  <a:schemeClr val="accent1"/>
+                </a:fillRef>
+                <a:effectRef idx="0">
+                  <a:schemeClr val="accent1"/>
+                </a:effectRef>
+                <a:fontRef idx="minor">
+                  <a:schemeClr val="lt1"/>
+                </a:fontRef>
+              </p:style>
+              <p:txBody>
+                <a:bodyPr rtlCol="0" anchor="ctr"/>
+                <a:lstStyle/>
+                <a:p>
+                  <a:pPr algn="ctr"/>
+                  <a:endParaRPr lang="en-PH" dirty="0"/>
+                </a:p>
+              </p:txBody>
+            </p:sp>
+          </p:grpSp>
+          <p:sp>
+            <p:nvSpPr>
+              <p:cNvPr id="64" name="Rectangle: Rounded Corners 63">
+                <a:extLst>
+                  <a:ext uri="{FF2B5EF4-FFF2-40B4-BE49-F238E27FC236}">
+                    <a16:creationId xmlns:a16="http://schemas.microsoft.com/office/drawing/2014/main" id="{7EC254EE-F596-B24E-335F-90BB86829B97}"/>
+                  </a:ext>
+                </a:extLst>
+              </p:cNvPr>
+              <p:cNvSpPr/>
+              <p:nvPr/>
+            </p:nvSpPr>
+            <p:spPr>
+              <a:xfrm>
+                <a:off x="9343430" y="182323"/>
+                <a:ext cx="2473569" cy="445477"/>
+              </a:xfrm>
+              <a:prstGeom prst="roundRect">
+                <a:avLst/>
+              </a:prstGeom>
+              <a:noFill/>
+              <a:ln>
+                <a:noFill/>
+              </a:ln>
+            </p:spPr>
+            <p:style>
+              <a:lnRef idx="2">
+                <a:schemeClr val="accent1">
+                  <a:shade val="15000"/>
+                </a:schemeClr>
+              </a:lnRef>
+              <a:fillRef idx="1">
+                <a:schemeClr val="accent1"/>
+              </a:fillRef>
+              <a:effectRef idx="0">
+                <a:schemeClr val="accent1"/>
+              </a:effectRef>
+              <a:fontRef idx="minor">
+                <a:schemeClr val="lt1"/>
+              </a:fontRef>
+            </p:style>
+            <p:txBody>
+              <a:bodyPr rtlCol="0" anchor="ctr"/>
+              <a:lstStyle/>
+              <a:p>
+                <a:pPr algn="ctr"/>
+                <a:r>
+                  <a:rPr lang="en-PH" sz="2800" b="1" u="sng" dirty="0">
+                    <a:solidFill>
+                      <a:sysClr val="windowText" lastClr="000000"/>
+                    </a:solidFill>
+                  </a:rPr>
+                  <a:t>OUTPUT</a:t>
+                </a:r>
+              </a:p>
+            </p:txBody>
+          </p:sp>
+          <p:sp>
+            <p:nvSpPr>
+              <p:cNvPr id="63" name="Rectangle: Rounded Corners 62">
+                <a:extLst>
+                  <a:ext uri="{FF2B5EF4-FFF2-40B4-BE49-F238E27FC236}">
+                    <a16:creationId xmlns:a16="http://schemas.microsoft.com/office/drawing/2014/main" id="{8068E9BE-39C0-4BFC-80A0-9AE27CE8C32B}"/>
+                  </a:ext>
+                </a:extLst>
+              </p:cNvPr>
+              <p:cNvSpPr/>
+              <p:nvPr/>
+            </p:nvSpPr>
+            <p:spPr>
+              <a:xfrm>
+                <a:off x="4876657" y="182324"/>
+                <a:ext cx="2473569" cy="445477"/>
+              </a:xfrm>
+              <a:prstGeom prst="roundRect">
+                <a:avLst/>
+              </a:prstGeom>
+              <a:noFill/>
+              <a:ln>
+                <a:noFill/>
+              </a:ln>
+            </p:spPr>
+            <p:style>
+              <a:lnRef idx="2">
+                <a:schemeClr val="accent1">
+                  <a:shade val="15000"/>
+                </a:schemeClr>
+              </a:lnRef>
+              <a:fillRef idx="1">
+                <a:schemeClr val="accent1"/>
+              </a:fillRef>
+              <a:effectRef idx="0">
+                <a:schemeClr val="accent1"/>
+              </a:effectRef>
+              <a:fontRef idx="minor">
+                <a:schemeClr val="lt1"/>
+              </a:fontRef>
+            </p:style>
+            <p:txBody>
+              <a:bodyPr rtlCol="0" anchor="ctr"/>
+              <a:lstStyle/>
+              <a:p>
+                <a:pPr algn="ctr"/>
+                <a:r>
+                  <a:rPr lang="en-PH" sz="2800" b="1" u="sng" dirty="0">
+                    <a:solidFill>
+                      <a:sysClr val="windowText" lastClr="000000"/>
+                    </a:solidFill>
+                  </a:rPr>
+                  <a:t>PROCESS</a:t>
+                </a:r>
+              </a:p>
+            </p:txBody>
+          </p:sp>
+          <p:grpSp>
+            <p:nvGrpSpPr>
+              <p:cNvPr id="67" name="Group 66">
+                <a:extLst>
+                  <a:ext uri="{FF2B5EF4-FFF2-40B4-BE49-F238E27FC236}">
+                    <a16:creationId xmlns:a16="http://schemas.microsoft.com/office/drawing/2014/main" id="{15AB7FD4-327F-C2EB-E5A9-6E527D104BE3}"/>
+                  </a:ext>
+                </a:extLst>
+              </p:cNvPr>
+              <p:cNvGrpSpPr/>
+              <p:nvPr/>
+            </p:nvGrpSpPr>
+            <p:grpSpPr>
+              <a:xfrm>
+                <a:off x="3658396" y="1041463"/>
+                <a:ext cx="4910091" cy="5361973"/>
+                <a:chOff x="3978576" y="707884"/>
+                <a:chExt cx="4910091" cy="5361973"/>
+              </a:xfrm>
+            </p:grpSpPr>
+            <p:grpSp>
+              <p:nvGrpSpPr>
+                <p:cNvPr id="62" name="Group 61">
+                  <a:extLst>
+                    <a:ext uri="{FF2B5EF4-FFF2-40B4-BE49-F238E27FC236}">
+                      <a16:creationId xmlns:a16="http://schemas.microsoft.com/office/drawing/2014/main" id="{51DEF58F-5DFA-899E-F472-2AF2CD009147}"/>
+                    </a:ext>
+                  </a:extLst>
+                </p:cNvPr>
+                <p:cNvGrpSpPr/>
+                <p:nvPr/>
+              </p:nvGrpSpPr>
+              <p:grpSpPr>
+                <a:xfrm>
+                  <a:off x="3978576" y="788143"/>
+                  <a:ext cx="4910091" cy="5152775"/>
+                  <a:chOff x="3978576" y="788143"/>
+                  <a:chExt cx="4910091" cy="5152775"/>
+                </a:xfrm>
+              </p:grpSpPr>
+              <p:sp>
+                <p:nvSpPr>
+                  <p:cNvPr id="40" name="Rectangle: Rounded Corners 39">
+                    <a:extLst>
+                      <a:ext uri="{FF2B5EF4-FFF2-40B4-BE49-F238E27FC236}">
+                        <a16:creationId xmlns:a16="http://schemas.microsoft.com/office/drawing/2014/main" id="{75A49CEA-0EE1-7FAD-6BE7-73FCFFC786C7}"/>
+                      </a:ext>
+                    </a:extLst>
+                  </p:cNvPr>
+                  <p:cNvSpPr/>
+                  <p:nvPr/>
+                </p:nvSpPr>
+                <p:spPr>
+                  <a:xfrm>
+                    <a:off x="5579709" y="3929660"/>
+                    <a:ext cx="3308957" cy="897957"/>
+                  </a:xfrm>
+                  <a:prstGeom prst="roundRect">
+                    <a:avLst/>
+                  </a:prstGeom>
+                  <a:noFill/>
+                  <a:ln>
+                    <a:noFill/>
+                  </a:ln>
+                </p:spPr>
+                <p:style>
+                  <a:lnRef idx="2">
+                    <a:schemeClr val="accent1">
+                      <a:shade val="15000"/>
+                    </a:schemeClr>
+                  </a:lnRef>
+                  <a:fillRef idx="1">
+                    <a:schemeClr val="accent1"/>
+                  </a:fillRef>
+                  <a:effectRef idx="0">
+                    <a:schemeClr val="accent1"/>
+                  </a:effectRef>
+                  <a:fontRef idx="minor">
+                    <a:schemeClr val="lt1"/>
+                  </a:fontRef>
+                </p:style>
+                <p:txBody>
+                  <a:bodyPr rtlCol="0" anchor="ctr"/>
+                  <a:lstStyle/>
+                  <a:p>
+                    <a:r>
+                      <a:rPr lang="en-US" sz="1200" dirty="0">
+                        <a:solidFill>
+                          <a:sysClr val="windowText" lastClr="000000"/>
+                        </a:solidFill>
+                      </a:rPr>
+                      <a:t>Train a regression model to predict DNA concentration (ng/well) using relative fluorescence unit (RFU) measured from the standards in the quant assay. </a:t>
+                    </a:r>
+                    <a:endParaRPr lang="en-PH" sz="1200" dirty="0">
+                      <a:solidFill>
+                        <a:sysClr val="windowText" lastClr="000000"/>
+                      </a:solidFill>
+                    </a:endParaRPr>
+                  </a:p>
+                </p:txBody>
+              </p:sp>
+              <p:sp>
+                <p:nvSpPr>
+                  <p:cNvPr id="57" name="Rectangle: Rounded Corners 56">
+                    <a:extLst>
+                      <a:ext uri="{FF2B5EF4-FFF2-40B4-BE49-F238E27FC236}">
+                        <a16:creationId xmlns:a16="http://schemas.microsoft.com/office/drawing/2014/main" id="{650C313A-49B4-60D0-1B50-BC794C103E66}"/>
+                      </a:ext>
+                    </a:extLst>
+                  </p:cNvPr>
+                  <p:cNvSpPr/>
+                  <p:nvPr/>
+                </p:nvSpPr>
+                <p:spPr>
+                  <a:xfrm>
+                    <a:off x="5579709" y="2576000"/>
+                    <a:ext cx="3308958" cy="505706"/>
+                  </a:xfrm>
+                  <a:prstGeom prst="roundRect">
+                    <a:avLst/>
+                  </a:prstGeom>
+                  <a:noFill/>
+                  <a:ln>
+                    <a:noFill/>
+                  </a:ln>
+                </p:spPr>
+                <p:style>
+                  <a:lnRef idx="2">
+                    <a:schemeClr val="accent1">
+                      <a:shade val="15000"/>
+                    </a:schemeClr>
+                  </a:lnRef>
+                  <a:fillRef idx="1">
+                    <a:schemeClr val="accent1"/>
+                  </a:fillRef>
+                  <a:effectRef idx="0">
+                    <a:schemeClr val="accent1"/>
+                  </a:effectRef>
+                  <a:fontRef idx="minor">
+                    <a:schemeClr val="lt1"/>
+                  </a:fontRef>
+                </p:style>
+                <p:txBody>
+                  <a:bodyPr rtlCol="0" anchor="ctr"/>
+                  <a:lstStyle/>
+                  <a:p>
+                    <a:r>
+                      <a:rPr lang="en-US" sz="1200" dirty="0">
+                        <a:solidFill>
+                          <a:sysClr val="windowText" lastClr="000000"/>
+                        </a:solidFill>
+                      </a:rPr>
+                      <a:t>Use a trained regression model to predict DNA concentrations for sample data in a fluorescent quant assay.</a:t>
+                    </a:r>
+                    <a:endParaRPr lang="en-PH" sz="1200" dirty="0">
+                      <a:solidFill>
+                        <a:sysClr val="windowText" lastClr="000000"/>
+                      </a:solidFill>
+                    </a:endParaRPr>
+                  </a:p>
+                </p:txBody>
+              </p:sp>
+              <p:sp>
+                <p:nvSpPr>
+                  <p:cNvPr id="5" name="Rectangle: Rounded Corners 4">
+                    <a:extLst>
+                      <a:ext uri="{FF2B5EF4-FFF2-40B4-BE49-F238E27FC236}">
+                        <a16:creationId xmlns:a16="http://schemas.microsoft.com/office/drawing/2014/main" id="{48377D29-0690-3122-AA70-22DBA0C84406}"/>
+                      </a:ext>
+                    </a:extLst>
+                  </p:cNvPr>
+                  <p:cNvSpPr/>
+                  <p:nvPr/>
+                </p:nvSpPr>
+                <p:spPr>
+                  <a:xfrm>
+                    <a:off x="5579709" y="5443245"/>
+                    <a:ext cx="3308957" cy="497673"/>
+                  </a:xfrm>
+                  <a:prstGeom prst="roundRect">
+                    <a:avLst/>
+                  </a:prstGeom>
+                  <a:noFill/>
+                  <a:ln>
+                    <a:noFill/>
+                  </a:ln>
+                </p:spPr>
+                <p:style>
+                  <a:lnRef idx="2">
+                    <a:schemeClr val="accent1">
+                      <a:shade val="15000"/>
+                    </a:schemeClr>
+                  </a:lnRef>
+                  <a:fillRef idx="1">
+                    <a:schemeClr val="accent1"/>
+                  </a:fillRef>
+                  <a:effectRef idx="0">
+                    <a:schemeClr val="accent1"/>
+                  </a:effectRef>
+                  <a:fontRef idx="minor">
+                    <a:schemeClr val="lt1"/>
+                  </a:fontRef>
+                </p:style>
+                <p:txBody>
+                  <a:bodyPr rtlCol="0" anchor="ctr"/>
+                  <a:lstStyle/>
+                  <a:p>
+                    <a:r>
+                      <a:rPr lang="en-US" sz="1200" dirty="0">
+                        <a:solidFill>
+                          <a:sysClr val="windowText" lastClr="000000"/>
+                        </a:solidFill>
+                      </a:rPr>
+                      <a:t>Wrangles and exports the quant data in a format used by the Genomics Core Laboratory (GCL)</a:t>
+                    </a:r>
+                    <a:endParaRPr lang="en-PH" sz="1200" dirty="0">
+                      <a:solidFill>
+                        <a:sysClr val="windowText" lastClr="000000"/>
+                      </a:solidFill>
+                    </a:endParaRPr>
+                  </a:p>
+                </p:txBody>
+              </p:sp>
+              <p:sp>
+                <p:nvSpPr>
+                  <p:cNvPr id="18" name="TextBox 17">
+                    <a:extLst>
+                      <a:ext uri="{FF2B5EF4-FFF2-40B4-BE49-F238E27FC236}">
+                        <a16:creationId xmlns:a16="http://schemas.microsoft.com/office/drawing/2014/main" id="{2D6909F8-7F28-B681-A194-05E9CA1869F0}"/>
+                      </a:ext>
+                    </a:extLst>
+                  </p:cNvPr>
+                  <p:cNvSpPr txBox="1"/>
+                  <p:nvPr/>
+                </p:nvSpPr>
+                <p:spPr>
+                  <a:xfrm>
+                    <a:off x="5579709" y="1165918"/>
+                    <a:ext cx="3308958" cy="830997"/>
+                  </a:xfrm>
+                  <a:prstGeom prst="rect">
+                    <a:avLst/>
+                  </a:prstGeom>
+                  <a:noFill/>
+                </p:spPr>
+                <p:txBody>
+                  <a:bodyPr wrap="square">
+                    <a:spAutoFit/>
+                  </a:bodyPr>
+                  <a:lstStyle/>
+                  <a:p>
+                    <a:r>
+                      <a:rPr lang="en-PH" sz="1200" dirty="0">
+                        <a:solidFill>
+                          <a:sysClr val="windowText" lastClr="000000"/>
+                        </a:solidFill>
+                      </a:rPr>
+                      <a:t>Loads the csv files and merges them based on the wells in the plate reader. Separates the standard (training set) from the samples (testing set).</a:t>
+                    </a:r>
+                  </a:p>
+                </p:txBody>
+              </p:sp>
+              <p:grpSp>
+                <p:nvGrpSpPr>
+                  <p:cNvPr id="59" name="Group 58">
+                    <a:extLst>
+                      <a:ext uri="{FF2B5EF4-FFF2-40B4-BE49-F238E27FC236}">
+                        <a16:creationId xmlns:a16="http://schemas.microsoft.com/office/drawing/2014/main" id="{D63CD509-989D-C825-E9FD-57C97CBF4EBB}"/>
+                      </a:ext>
+                    </a:extLst>
+                  </p:cNvPr>
+                  <p:cNvGrpSpPr/>
+                  <p:nvPr/>
+                </p:nvGrpSpPr>
+                <p:grpSpPr>
+                  <a:xfrm>
+                    <a:off x="3978576" y="788143"/>
+                    <a:ext cx="3014199" cy="4680431"/>
+                    <a:chOff x="3978576" y="788143"/>
+                    <a:chExt cx="3014199" cy="4680431"/>
+                  </a:xfrm>
+                </p:grpSpPr>
+                <p:grpSp>
+                  <p:nvGrpSpPr>
+                    <p:cNvPr id="56" name="Group 55">
+                      <a:extLst>
+                        <a:ext uri="{FF2B5EF4-FFF2-40B4-BE49-F238E27FC236}">
+                          <a16:creationId xmlns:a16="http://schemas.microsoft.com/office/drawing/2014/main" id="{6A07D46A-22F0-2A92-1FE2-F1C900D4CCEF}"/>
+                        </a:ext>
+                      </a:extLst>
+                    </p:cNvPr>
+                    <p:cNvGrpSpPr/>
+                    <p:nvPr/>
+                  </p:nvGrpSpPr>
+                  <p:grpSpPr>
+                    <a:xfrm>
+                      <a:off x="3978576" y="788143"/>
+                      <a:ext cx="3014199" cy="4680431"/>
+                      <a:chOff x="4070858" y="400039"/>
+                      <a:chExt cx="3014199" cy="4680431"/>
+                    </a:xfrm>
+                  </p:grpSpPr>
+                  <p:sp>
+                    <p:nvSpPr>
+                      <p:cNvPr id="8" name="Rectangle: Rounded Corners 7">
+                        <a:extLst>
+                          <a:ext uri="{FF2B5EF4-FFF2-40B4-BE49-F238E27FC236}">
+                            <a16:creationId xmlns:a16="http://schemas.microsoft.com/office/drawing/2014/main" id="{7E042F09-D22B-933F-41D2-574869ACFD08}"/>
+                          </a:ext>
+                        </a:extLst>
+                      </p:cNvPr>
+                      <p:cNvSpPr/>
+                      <p:nvPr/>
+                    </p:nvSpPr>
+                    <p:spPr>
+                      <a:xfrm>
+                        <a:off x="4412283" y="400039"/>
+                        <a:ext cx="2331349" cy="371458"/>
+                      </a:xfrm>
+                      <a:prstGeom prst="roundRect">
+                        <a:avLst/>
+                      </a:prstGeom>
+                      <a:noFill/>
+                      <a:ln>
+                        <a:noFill/>
+                      </a:ln>
+                    </p:spPr>
+                    <p:style>
+                      <a:lnRef idx="2">
+                        <a:schemeClr val="accent1">
+                          <a:shade val="15000"/>
+                        </a:schemeClr>
+                      </a:lnRef>
+                      <a:fillRef idx="1">
+                        <a:schemeClr val="accent1"/>
+                      </a:fillRef>
+                      <a:effectRef idx="0">
+                        <a:schemeClr val="accent1"/>
+                      </a:effectRef>
+                      <a:fontRef idx="minor">
+                        <a:schemeClr val="lt1"/>
+                      </a:fontRef>
+                    </p:style>
+                    <p:txBody>
+                      <a:bodyPr rtlCol="0" anchor="ctr"/>
+                      <a:lstStyle/>
+                      <a:p>
+                        <a:r>
+                          <a:rPr lang="en-PH" dirty="0" err="1">
+                            <a:solidFill>
+                              <a:sysClr val="windowText" lastClr="000000"/>
+                            </a:solidFill>
+                            <a:latin typeface="Consolas" panose="020B0609020204030204" pitchFamily="49" charset="0"/>
+                          </a:rPr>
+                          <a:t>load_quant_files</a:t>
+                        </a:r>
+                        <a:endParaRPr lang="en-PH" dirty="0">
+                          <a:solidFill>
+                            <a:sysClr val="windowText" lastClr="000000"/>
+                          </a:solidFill>
+                          <a:latin typeface="Consolas" panose="020B0609020204030204" pitchFamily="49" charset="0"/>
+                        </a:endParaRPr>
+                      </a:p>
+                    </p:txBody>
+                  </p:sp>
+                  <p:sp>
+                    <p:nvSpPr>
+                      <p:cNvPr id="32" name="Rectangle: Rounded Corners 31">
+                        <a:extLst>
+                          <a:ext uri="{FF2B5EF4-FFF2-40B4-BE49-F238E27FC236}">
+                            <a16:creationId xmlns:a16="http://schemas.microsoft.com/office/drawing/2014/main" id="{F57D84DB-EEC3-0AA8-3D3A-CF44B0109650}"/>
+                          </a:ext>
+                        </a:extLst>
+                      </p:cNvPr>
+                      <p:cNvSpPr/>
+                      <p:nvPr/>
+                    </p:nvSpPr>
+                    <p:spPr>
+                      <a:xfrm>
+                        <a:off x="4070859" y="1836363"/>
+                        <a:ext cx="3014198" cy="371458"/>
+                      </a:xfrm>
+                      <a:prstGeom prst="roundRect">
+                        <a:avLst/>
+                      </a:prstGeom>
+                      <a:noFill/>
+                      <a:ln>
+                        <a:noFill/>
+                      </a:ln>
+                    </p:spPr>
+                    <p:style>
+                      <a:lnRef idx="2">
+                        <a:schemeClr val="accent1">
+                          <a:shade val="15000"/>
+                        </a:schemeClr>
+                      </a:lnRef>
+                      <a:fillRef idx="1">
+                        <a:schemeClr val="accent1"/>
+                      </a:fillRef>
+                      <a:effectRef idx="0">
+                        <a:schemeClr val="accent1"/>
+                      </a:effectRef>
+                      <a:fontRef idx="minor">
+                        <a:schemeClr val="lt1"/>
+                      </a:fontRef>
+                    </p:style>
+                    <p:txBody>
+                      <a:bodyPr rtlCol="0" anchor="ctr"/>
+                      <a:lstStyle/>
+                      <a:p>
+                        <a:pPr algn="ctr"/>
+                        <a:r>
+                          <a:rPr lang="en-PH" dirty="0" err="1">
+                            <a:solidFill>
+                              <a:sysClr val="windowText" lastClr="000000"/>
+                            </a:solidFill>
+                            <a:latin typeface="Consolas" panose="020B0609020204030204" pitchFamily="49" charset="0"/>
+                          </a:rPr>
+                          <a:t>train_quant_standards</a:t>
+                        </a:r>
+                        <a:endParaRPr lang="en-PH" dirty="0">
+                          <a:solidFill>
+                            <a:sysClr val="windowText" lastClr="000000"/>
+                          </a:solidFill>
+                          <a:latin typeface="Consolas" panose="020B0609020204030204" pitchFamily="49" charset="0"/>
+                        </a:endParaRPr>
+                      </a:p>
+                    </p:txBody>
+                  </p:sp>
+                  <p:sp>
+                    <p:nvSpPr>
+                      <p:cNvPr id="33" name="Rectangle: Rounded Corners 32">
+                        <a:extLst>
+                          <a:ext uri="{FF2B5EF4-FFF2-40B4-BE49-F238E27FC236}">
+                            <a16:creationId xmlns:a16="http://schemas.microsoft.com/office/drawing/2014/main" id="{70A3E1B5-988C-9FD3-8147-A371D531051F}"/>
+                          </a:ext>
+                        </a:extLst>
+                      </p:cNvPr>
+                      <p:cNvSpPr/>
+                      <p:nvPr/>
+                    </p:nvSpPr>
+                    <p:spPr>
+                      <a:xfrm>
+                        <a:off x="4070858" y="3272687"/>
+                        <a:ext cx="3014198" cy="371458"/>
+                      </a:xfrm>
+                      <a:prstGeom prst="roundRect">
+                        <a:avLst/>
+                      </a:prstGeom>
+                      <a:noFill/>
+                      <a:ln>
+                        <a:noFill/>
+                      </a:ln>
+                    </p:spPr>
+                    <p:style>
+                      <a:lnRef idx="2">
+                        <a:schemeClr val="accent1">
+                          <a:shade val="15000"/>
+                        </a:schemeClr>
+                      </a:lnRef>
+                      <a:fillRef idx="1">
+                        <a:schemeClr val="accent1"/>
+                      </a:fillRef>
+                      <a:effectRef idx="0">
+                        <a:schemeClr val="accent1"/>
+                      </a:effectRef>
+                      <a:fontRef idx="minor">
+                        <a:schemeClr val="lt1"/>
+                      </a:fontRef>
+                    </p:style>
+                    <p:txBody>
+                      <a:bodyPr rtlCol="0" anchor="ctr"/>
+                      <a:lstStyle/>
+                      <a:p>
+                        <a:pPr algn="ctr"/>
+                        <a:r>
+                          <a:rPr lang="en-PH" dirty="0" err="1">
+                            <a:solidFill>
+                              <a:sysClr val="windowText" lastClr="000000"/>
+                            </a:solidFill>
+                            <a:latin typeface="Consolas" panose="020B0609020204030204" pitchFamily="49" charset="0"/>
+                          </a:rPr>
+                          <a:t>quant_dna</a:t>
+                        </a:r>
+                        <a:endParaRPr lang="en-PH" dirty="0">
+                          <a:solidFill>
+                            <a:sysClr val="windowText" lastClr="000000"/>
+                          </a:solidFill>
+                          <a:latin typeface="Consolas" panose="020B0609020204030204" pitchFamily="49" charset="0"/>
+                        </a:endParaRPr>
+                      </a:p>
+                    </p:txBody>
+                  </p:sp>
+                  <p:sp>
+                    <p:nvSpPr>
+                      <p:cNvPr id="35" name="Rectangle: Rounded Corners 34">
+                        <a:extLst>
+                          <a:ext uri="{FF2B5EF4-FFF2-40B4-BE49-F238E27FC236}">
+                            <a16:creationId xmlns:a16="http://schemas.microsoft.com/office/drawing/2014/main" id="{5F171BB2-83B9-CE4C-FA46-AB13223D248D}"/>
+                          </a:ext>
+                        </a:extLst>
+                      </p:cNvPr>
+                      <p:cNvSpPr/>
+                      <p:nvPr/>
+                    </p:nvSpPr>
+                    <p:spPr>
+                      <a:xfrm>
+                        <a:off x="4070858" y="4709012"/>
+                        <a:ext cx="3014198" cy="371458"/>
+                      </a:xfrm>
+                      <a:prstGeom prst="roundRect">
+                        <a:avLst/>
+                      </a:prstGeom>
+                      <a:noFill/>
+                      <a:ln>
+                        <a:noFill/>
+                      </a:ln>
+                    </p:spPr>
+                    <p:style>
+                      <a:lnRef idx="2">
+                        <a:schemeClr val="accent1">
+                          <a:shade val="15000"/>
+                        </a:schemeClr>
+                      </a:lnRef>
+                      <a:fillRef idx="1">
+                        <a:schemeClr val="accent1"/>
+                      </a:fillRef>
+                      <a:effectRef idx="0">
+                        <a:schemeClr val="accent1"/>
+                      </a:effectRef>
+                      <a:fontRef idx="minor">
+                        <a:schemeClr val="lt1"/>
+                      </a:fontRef>
+                    </p:style>
+                    <p:txBody>
+                      <a:bodyPr rtlCol="0" anchor="ctr"/>
+                      <a:lstStyle/>
+                      <a:p>
+                        <a:pPr algn="ctr"/>
+                        <a:r>
+                          <a:rPr lang="en-PH" dirty="0" err="1">
+                            <a:solidFill>
+                              <a:sysClr val="windowText" lastClr="000000"/>
+                            </a:solidFill>
+                            <a:latin typeface="Consolas" panose="020B0609020204030204" pitchFamily="49" charset="0"/>
+                          </a:rPr>
+                          <a:t>export_quant_report</a:t>
+                        </a:r>
+                        <a:endParaRPr lang="en-PH" dirty="0">
+                          <a:solidFill>
+                            <a:sysClr val="windowText" lastClr="000000"/>
+                          </a:solidFill>
+                          <a:latin typeface="Consolas" panose="020B0609020204030204" pitchFamily="49" charset="0"/>
+                        </a:endParaRPr>
+                      </a:p>
+                    </p:txBody>
+                  </p:sp>
+                </p:grpSp>
+                <p:cxnSp>
+                  <p:nvCxnSpPr>
+                    <p:cNvPr id="38" name="Straight Arrow Connector 13">
+                      <a:extLst>
+                        <a:ext uri="{FF2B5EF4-FFF2-40B4-BE49-F238E27FC236}">
+                          <a16:creationId xmlns:a16="http://schemas.microsoft.com/office/drawing/2014/main" id="{A17A7856-F6ED-5448-805F-75BD204C05EF}"/>
+                        </a:ext>
+                      </a:extLst>
+                    </p:cNvPr>
+                    <p:cNvCxnSpPr>
+                      <a:cxnSpLocks/>
+                      <a:stCxn id="8" idx="2"/>
+                      <a:endCxn id="32" idx="0"/>
+                    </p:cNvCxnSpPr>
+                    <p:nvPr/>
+                  </p:nvCxnSpPr>
+                  <p:spPr>
+                    <a:xfrm>
+                      <a:off x="5485676" y="1159601"/>
+                      <a:ext cx="0" cy="1064866"/>
+                    </a:xfrm>
+                    <a:prstGeom prst="straightConnector1">
+                      <a:avLst/>
+                    </a:prstGeom>
+                    <a:ln>
+                      <a:solidFill>
+                        <a:schemeClr val="tx1"/>
+                      </a:solidFill>
+                      <a:tailEnd type="triangle"/>
+                    </a:ln>
+                  </p:spPr>
+                  <p:style>
+                    <a:lnRef idx="2">
+                      <a:schemeClr val="accent1"/>
+                    </a:lnRef>
+                    <a:fillRef idx="0">
+                      <a:schemeClr val="accent1"/>
+                    </a:fillRef>
+                    <a:effectRef idx="1">
+                      <a:schemeClr val="accent1"/>
+                    </a:effectRef>
+                    <a:fontRef idx="minor">
+                      <a:schemeClr val="tx1"/>
+                    </a:fontRef>
+                  </p:style>
+                </p:cxnSp>
+                <p:cxnSp>
+                  <p:nvCxnSpPr>
+                    <p:cNvPr id="44" name="Straight Arrow Connector 13">
+                      <a:extLst>
+                        <a:ext uri="{FF2B5EF4-FFF2-40B4-BE49-F238E27FC236}">
+                          <a16:creationId xmlns:a16="http://schemas.microsoft.com/office/drawing/2014/main" id="{7A444421-1C85-554C-2700-1056639F5114}"/>
+                        </a:ext>
+                      </a:extLst>
+                    </p:cNvPr>
+                    <p:cNvCxnSpPr>
+                      <a:cxnSpLocks/>
+                      <a:stCxn id="32" idx="2"/>
+                      <a:endCxn id="33" idx="0"/>
+                    </p:cNvCxnSpPr>
+                    <p:nvPr/>
+                  </p:nvCxnSpPr>
+                  <p:spPr>
+                    <a:xfrm flipH="1">
+                      <a:off x="5485675" y="2595925"/>
+                      <a:ext cx="1" cy="1064866"/>
+                    </a:xfrm>
+                    <a:prstGeom prst="straightConnector1">
+                      <a:avLst/>
+                    </a:prstGeom>
+                    <a:ln>
+                      <a:solidFill>
+                        <a:schemeClr val="tx1"/>
+                      </a:solidFill>
+                      <a:tailEnd type="triangle"/>
+                    </a:ln>
+                  </p:spPr>
+                  <p:style>
+                    <a:lnRef idx="2">
+                      <a:schemeClr val="accent1"/>
+                    </a:lnRef>
+                    <a:fillRef idx="0">
+                      <a:schemeClr val="accent1"/>
+                    </a:fillRef>
+                    <a:effectRef idx="1">
+                      <a:schemeClr val="accent1"/>
+                    </a:effectRef>
+                    <a:fontRef idx="minor">
+                      <a:schemeClr val="tx1"/>
+                    </a:fontRef>
+                  </p:style>
+                </p:cxnSp>
+                <p:cxnSp>
+                  <p:nvCxnSpPr>
+                    <p:cNvPr id="52" name="Straight Arrow Connector 13">
+                      <a:extLst>
+                        <a:ext uri="{FF2B5EF4-FFF2-40B4-BE49-F238E27FC236}">
+                          <a16:creationId xmlns:a16="http://schemas.microsoft.com/office/drawing/2014/main" id="{357C2FFE-434A-27F9-B3ED-AA9CDEEAB264}"/>
+                        </a:ext>
+                      </a:extLst>
+                    </p:cNvPr>
+                    <p:cNvCxnSpPr>
+                      <a:cxnSpLocks/>
+                      <a:stCxn id="33" idx="2"/>
+                      <a:endCxn id="35" idx="0"/>
+                    </p:cNvCxnSpPr>
+                    <p:nvPr/>
+                  </p:nvCxnSpPr>
+                  <p:spPr>
+                    <a:xfrm>
+                      <a:off x="5485675" y="4032249"/>
+                      <a:ext cx="0" cy="1064867"/>
+                    </a:xfrm>
+                    <a:prstGeom prst="straightConnector1">
+                      <a:avLst/>
+                    </a:prstGeom>
+                    <a:ln>
+                      <a:solidFill>
+                        <a:schemeClr val="tx1"/>
+                      </a:solidFill>
+                      <a:tailEnd type="triangle"/>
+                    </a:ln>
+                  </p:spPr>
+                  <p:style>
+                    <a:lnRef idx="2">
+                      <a:schemeClr val="accent1"/>
+                    </a:lnRef>
+                    <a:fillRef idx="0">
+                      <a:schemeClr val="accent1"/>
+                    </a:fillRef>
+                    <a:effectRef idx="1">
+                      <a:schemeClr val="accent1"/>
+                    </a:effectRef>
+                    <a:fontRef idx="minor">
+                      <a:schemeClr val="tx1"/>
+                    </a:fontRef>
+                  </p:style>
+                </p:cxnSp>
+              </p:grpSp>
+            </p:grpSp>
+            <p:sp>
+              <p:nvSpPr>
+                <p:cNvPr id="65" name="Rectangle: Rounded Corners 64">
+                  <a:extLst>
+                    <a:ext uri="{FF2B5EF4-FFF2-40B4-BE49-F238E27FC236}">
+                      <a16:creationId xmlns:a16="http://schemas.microsoft.com/office/drawing/2014/main" id="{9CFA6158-797A-0A2E-90F9-1495D60CF970}"/>
+                    </a:ext>
+                  </a:extLst>
+                </p:cNvPr>
+                <p:cNvSpPr/>
+                <p:nvPr/>
+              </p:nvSpPr>
+              <p:spPr>
+                <a:xfrm>
+                  <a:off x="4035803" y="707884"/>
+                  <a:ext cx="4795637" cy="5361973"/>
+                </a:xfrm>
+                <a:prstGeom prst="roundRect">
+                  <a:avLst>
+                    <a:gd name="adj" fmla="val 0"/>
+                  </a:avLst>
+                </a:prstGeom>
+                <a:noFill/>
+              </p:spPr>
+              <p:style>
+                <a:lnRef idx="2">
+                  <a:schemeClr val="accent1">
+                    <a:shade val="15000"/>
+                  </a:schemeClr>
+                </a:lnRef>
+                <a:fillRef idx="1">
+                  <a:schemeClr val="accent1"/>
+                </a:fillRef>
+                <a:effectRef idx="0">
+                  <a:schemeClr val="accent1"/>
+                </a:effectRef>
+                <a:fontRef idx="minor">
+                  <a:schemeClr val="lt1"/>
+                </a:fontRef>
+              </p:style>
+              <p:txBody>
+                <a:bodyPr rtlCol="0" anchor="ctr"/>
+                <a:lstStyle/>
+                <a:p>
+                  <a:pPr algn="ctr"/>
+                  <a:endParaRPr lang="en-PH" dirty="0"/>
+                </a:p>
+              </p:txBody>
+            </p:sp>
+          </p:grpSp>
+          <p:sp>
+            <p:nvSpPr>
+              <p:cNvPr id="68" name="Rectangle: Rounded Corners 67">
+                <a:extLst>
+                  <a:ext uri="{FF2B5EF4-FFF2-40B4-BE49-F238E27FC236}">
+                    <a16:creationId xmlns:a16="http://schemas.microsoft.com/office/drawing/2014/main" id="{19D93462-3A91-89C6-9D45-165AEEFD5BF9}"/>
+                  </a:ext>
+                </a:extLst>
+              </p:cNvPr>
+              <p:cNvSpPr/>
+              <p:nvPr/>
+            </p:nvSpPr>
+            <p:spPr>
+              <a:xfrm>
+                <a:off x="9183352" y="1045146"/>
+                <a:ext cx="2793727" cy="3877626"/>
               </a:xfrm>
               <a:prstGeom prst="roundRect">
                 <a:avLst>
@@ -10332,990 +11579,79 @@
               <a:bodyPr rtlCol="0" anchor="ctr"/>
               <a:lstStyle/>
               <a:p>
-                <a:pPr algn="ctr"/>
-                <a:endParaRPr lang="en-PH" dirty="0"/>
+                <a:r>
+                  <a:rPr lang="en-PH" dirty="0">
+                    <a:solidFill>
+                      <a:sysClr val="windowText" lastClr="000000"/>
+                    </a:solidFill>
+                  </a:rPr>
+                  <a:t>An excel sheet (“quant_report.xlsx”) with the following tabs:</a:t>
+                </a:r>
+              </a:p>
+              <a:p>
+                <a:endParaRPr lang="en-PH" dirty="0">
+                  <a:solidFill>
+                    <a:sysClr val="windowText" lastClr="000000"/>
+                  </a:solidFill>
+                </a:endParaRPr>
+              </a:p>
+              <a:p>
+                <a:pPr marL="342900" indent="-342900">
+                  <a:buAutoNum type="arabicParenR"/>
+                </a:pPr>
+                <a:r>
+                  <a:rPr lang="en-PH" b="1" dirty="0" err="1">
+                    <a:solidFill>
+                      <a:sysClr val="windowText" lastClr="000000"/>
+                    </a:solidFill>
+                  </a:rPr>
+                  <a:t>quant_data</a:t>
+                </a:r>
+                <a:endParaRPr lang="en-PH" b="1" dirty="0">
+                  <a:solidFill>
+                    <a:sysClr val="windowText" lastClr="000000"/>
+                  </a:solidFill>
+                </a:endParaRPr>
+              </a:p>
+              <a:p>
+                <a:pPr marL="342900" indent="-342900">
+                  <a:buAutoNum type="arabicParenR"/>
+                </a:pPr>
+                <a:r>
+                  <a:rPr lang="en-PH" b="1" dirty="0" err="1">
+                    <a:solidFill>
+                      <a:sysClr val="windowText" lastClr="000000"/>
+                    </a:solidFill>
+                  </a:rPr>
+                  <a:t>quant_standard</a:t>
+                </a:r>
+                <a:endParaRPr lang="en-PH" b="1" dirty="0">
+                  <a:solidFill>
+                    <a:sysClr val="windowText" lastClr="000000"/>
+                  </a:solidFill>
+                </a:endParaRPr>
+              </a:p>
+              <a:p>
+                <a:pPr marL="342900" indent="-342900">
+                  <a:buAutoNum type="arabicParenR"/>
+                </a:pPr>
+                <a:r>
+                  <a:rPr lang="en-PH" b="1" dirty="0" err="1">
+                    <a:solidFill>
+                      <a:sysClr val="windowText" lastClr="000000"/>
+                    </a:solidFill>
+                  </a:rPr>
+                  <a:t>quant_report</a:t>
+                </a:r>
+                <a:endParaRPr lang="en-PH" b="1" dirty="0">
+                  <a:solidFill>
+                    <a:sysClr val="windowText" lastClr="000000"/>
+                  </a:solidFill>
+                </a:endParaRPr>
               </a:p>
             </p:txBody>
           </p:sp>
         </p:grpSp>
-        <p:sp>
-          <p:nvSpPr>
-            <p:cNvPr id="64" name="Rectangle: Rounded Corners 63">
-              <a:extLst>
-                <a:ext uri="{FF2B5EF4-FFF2-40B4-BE49-F238E27FC236}">
-                  <a16:creationId xmlns:a16="http://schemas.microsoft.com/office/drawing/2014/main" id="{7EC254EE-F596-B24E-335F-90BB86829B97}"/>
-                </a:ext>
-              </a:extLst>
-            </p:cNvPr>
-            <p:cNvSpPr/>
-            <p:nvPr/>
-          </p:nvSpPr>
-          <p:spPr>
-            <a:xfrm>
-              <a:off x="9343430" y="182323"/>
-              <a:ext cx="2473569" cy="445477"/>
-            </a:xfrm>
-            <a:prstGeom prst="roundRect">
-              <a:avLst/>
-            </a:prstGeom>
-            <a:noFill/>
-            <a:ln>
-              <a:noFill/>
-            </a:ln>
-          </p:spPr>
-          <p:style>
-            <a:lnRef idx="2">
-              <a:schemeClr val="accent1">
-                <a:shade val="15000"/>
-              </a:schemeClr>
-            </a:lnRef>
-            <a:fillRef idx="1">
-              <a:schemeClr val="accent1"/>
-            </a:fillRef>
-            <a:effectRef idx="0">
-              <a:schemeClr val="accent1"/>
-            </a:effectRef>
-            <a:fontRef idx="minor">
-              <a:schemeClr val="lt1"/>
-            </a:fontRef>
-          </p:style>
-          <p:txBody>
-            <a:bodyPr rtlCol="0" anchor="ctr"/>
-            <a:lstStyle/>
-            <a:p>
-              <a:pPr algn="ctr"/>
-              <a:r>
-                <a:rPr lang="en-PH" sz="2800" b="1" u="sng" dirty="0">
-                  <a:solidFill>
-                    <a:sysClr val="windowText" lastClr="000000"/>
-                  </a:solidFill>
-                </a:rPr>
-                <a:t>OUTPUT</a:t>
-              </a:r>
-            </a:p>
-          </p:txBody>
-        </p:sp>
-        <p:sp>
-          <p:nvSpPr>
-            <p:cNvPr id="63" name="Rectangle: Rounded Corners 62">
-              <a:extLst>
-                <a:ext uri="{FF2B5EF4-FFF2-40B4-BE49-F238E27FC236}">
-                  <a16:creationId xmlns:a16="http://schemas.microsoft.com/office/drawing/2014/main" id="{8068E9BE-39C0-4BFC-80A0-9AE27CE8C32B}"/>
-                </a:ext>
-              </a:extLst>
-            </p:cNvPr>
-            <p:cNvSpPr/>
-            <p:nvPr/>
-          </p:nvSpPr>
-          <p:spPr>
-            <a:xfrm>
-              <a:off x="4876657" y="182324"/>
-              <a:ext cx="2473569" cy="445477"/>
-            </a:xfrm>
-            <a:prstGeom prst="roundRect">
-              <a:avLst/>
-            </a:prstGeom>
-            <a:noFill/>
-            <a:ln>
-              <a:noFill/>
-            </a:ln>
-          </p:spPr>
-          <p:style>
-            <a:lnRef idx="2">
-              <a:schemeClr val="accent1">
-                <a:shade val="15000"/>
-              </a:schemeClr>
-            </a:lnRef>
-            <a:fillRef idx="1">
-              <a:schemeClr val="accent1"/>
-            </a:fillRef>
-            <a:effectRef idx="0">
-              <a:schemeClr val="accent1"/>
-            </a:effectRef>
-            <a:fontRef idx="minor">
-              <a:schemeClr val="lt1"/>
-            </a:fontRef>
-          </p:style>
-          <p:txBody>
-            <a:bodyPr rtlCol="0" anchor="ctr"/>
-            <a:lstStyle/>
-            <a:p>
-              <a:pPr algn="ctr"/>
-              <a:r>
-                <a:rPr lang="en-PH" sz="2800" b="1" u="sng" dirty="0">
-                  <a:solidFill>
-                    <a:sysClr val="windowText" lastClr="000000"/>
-                  </a:solidFill>
-                </a:rPr>
-                <a:t>PROCESS</a:t>
-              </a:r>
-            </a:p>
-          </p:txBody>
-        </p:sp>
-        <p:grpSp>
-          <p:nvGrpSpPr>
-            <p:cNvPr id="67" name="Group 66">
-              <a:extLst>
-                <a:ext uri="{FF2B5EF4-FFF2-40B4-BE49-F238E27FC236}">
-                  <a16:creationId xmlns:a16="http://schemas.microsoft.com/office/drawing/2014/main" id="{15AB7FD4-327F-C2EB-E5A9-6E527D104BE3}"/>
-                </a:ext>
-              </a:extLst>
-            </p:cNvPr>
-            <p:cNvGrpSpPr/>
-            <p:nvPr/>
-          </p:nvGrpSpPr>
-          <p:grpSpPr>
-            <a:xfrm>
-              <a:off x="3658396" y="1041463"/>
-              <a:ext cx="4910091" cy="5361973"/>
-              <a:chOff x="3978576" y="707884"/>
-              <a:chExt cx="4910091" cy="5361973"/>
-            </a:xfrm>
-          </p:grpSpPr>
-          <p:grpSp>
-            <p:nvGrpSpPr>
-              <p:cNvPr id="62" name="Group 61">
-                <a:extLst>
-                  <a:ext uri="{FF2B5EF4-FFF2-40B4-BE49-F238E27FC236}">
-                    <a16:creationId xmlns:a16="http://schemas.microsoft.com/office/drawing/2014/main" id="{51DEF58F-5DFA-899E-F472-2AF2CD009147}"/>
-                  </a:ext>
-                </a:extLst>
-              </p:cNvPr>
-              <p:cNvGrpSpPr/>
-              <p:nvPr/>
-            </p:nvGrpSpPr>
-            <p:grpSpPr>
-              <a:xfrm>
-                <a:off x="3978576" y="788143"/>
-                <a:ext cx="4910091" cy="5152775"/>
-                <a:chOff x="3978576" y="788143"/>
-                <a:chExt cx="4910091" cy="5152775"/>
-              </a:xfrm>
-            </p:grpSpPr>
-            <p:sp>
-              <p:nvSpPr>
-                <p:cNvPr id="40" name="Rectangle: Rounded Corners 39">
-                  <a:extLst>
-                    <a:ext uri="{FF2B5EF4-FFF2-40B4-BE49-F238E27FC236}">
-                      <a16:creationId xmlns:a16="http://schemas.microsoft.com/office/drawing/2014/main" id="{75A49CEA-0EE1-7FAD-6BE7-73FCFFC786C7}"/>
-                    </a:ext>
-                  </a:extLst>
-                </p:cNvPr>
-                <p:cNvSpPr/>
-                <p:nvPr/>
-              </p:nvSpPr>
-              <p:spPr>
-                <a:xfrm>
-                  <a:off x="5579709" y="3929660"/>
-                  <a:ext cx="3308957" cy="897957"/>
-                </a:xfrm>
-                <a:prstGeom prst="roundRect">
-                  <a:avLst/>
-                </a:prstGeom>
-                <a:noFill/>
-                <a:ln>
-                  <a:noFill/>
-                </a:ln>
-              </p:spPr>
-              <p:style>
-                <a:lnRef idx="2">
-                  <a:schemeClr val="accent1">
-                    <a:shade val="15000"/>
-                  </a:schemeClr>
-                </a:lnRef>
-                <a:fillRef idx="1">
-                  <a:schemeClr val="accent1"/>
-                </a:fillRef>
-                <a:effectRef idx="0">
-                  <a:schemeClr val="accent1"/>
-                </a:effectRef>
-                <a:fontRef idx="minor">
-                  <a:schemeClr val="lt1"/>
-                </a:fontRef>
-              </p:style>
-              <p:txBody>
-                <a:bodyPr rtlCol="0" anchor="ctr"/>
-                <a:lstStyle/>
-                <a:p>
-                  <a:r>
-                    <a:rPr lang="en-US" sz="1200" dirty="0">
-                      <a:solidFill>
-                        <a:sysClr val="windowText" lastClr="000000"/>
-                      </a:solidFill>
-                    </a:rPr>
-                    <a:t>Train a regression model to predict DNA concentration (ng/well) using relative fluorescence unit (RFU) measured from the standards in the quant assay. </a:t>
-                  </a:r>
-                  <a:endParaRPr lang="en-PH" sz="1200" dirty="0">
-                    <a:solidFill>
-                      <a:sysClr val="windowText" lastClr="000000"/>
-                    </a:solidFill>
-                  </a:endParaRPr>
-                </a:p>
-              </p:txBody>
-            </p:sp>
-            <p:sp>
-              <p:nvSpPr>
-                <p:cNvPr id="57" name="Rectangle: Rounded Corners 56">
-                  <a:extLst>
-                    <a:ext uri="{FF2B5EF4-FFF2-40B4-BE49-F238E27FC236}">
-                      <a16:creationId xmlns:a16="http://schemas.microsoft.com/office/drawing/2014/main" id="{650C313A-49B4-60D0-1B50-BC794C103E66}"/>
-                    </a:ext>
-                  </a:extLst>
-                </p:cNvPr>
-                <p:cNvSpPr/>
-                <p:nvPr/>
-              </p:nvSpPr>
-              <p:spPr>
-                <a:xfrm>
-                  <a:off x="5579709" y="2576000"/>
-                  <a:ext cx="3308958" cy="505706"/>
-                </a:xfrm>
-                <a:prstGeom prst="roundRect">
-                  <a:avLst/>
-                </a:prstGeom>
-                <a:noFill/>
-                <a:ln>
-                  <a:noFill/>
-                </a:ln>
-              </p:spPr>
-              <p:style>
-                <a:lnRef idx="2">
-                  <a:schemeClr val="accent1">
-                    <a:shade val="15000"/>
-                  </a:schemeClr>
-                </a:lnRef>
-                <a:fillRef idx="1">
-                  <a:schemeClr val="accent1"/>
-                </a:fillRef>
-                <a:effectRef idx="0">
-                  <a:schemeClr val="accent1"/>
-                </a:effectRef>
-                <a:fontRef idx="minor">
-                  <a:schemeClr val="lt1"/>
-                </a:fontRef>
-              </p:style>
-              <p:txBody>
-                <a:bodyPr rtlCol="0" anchor="ctr"/>
-                <a:lstStyle/>
-                <a:p>
-                  <a:r>
-                    <a:rPr lang="en-US" sz="1200" dirty="0">
-                      <a:solidFill>
-                        <a:sysClr val="windowText" lastClr="000000"/>
-                      </a:solidFill>
-                    </a:rPr>
-                    <a:t>Use a trained regression model to predict DNA concentrations for sample data in a fluorescent quant assay.</a:t>
-                  </a:r>
-                  <a:endParaRPr lang="en-PH" sz="1200" dirty="0">
-                    <a:solidFill>
-                      <a:sysClr val="windowText" lastClr="000000"/>
-                    </a:solidFill>
-                  </a:endParaRPr>
-                </a:p>
-              </p:txBody>
-            </p:sp>
-            <p:sp>
-              <p:nvSpPr>
-                <p:cNvPr id="5" name="Rectangle: Rounded Corners 4">
-                  <a:extLst>
-                    <a:ext uri="{FF2B5EF4-FFF2-40B4-BE49-F238E27FC236}">
-                      <a16:creationId xmlns:a16="http://schemas.microsoft.com/office/drawing/2014/main" id="{48377D29-0690-3122-AA70-22DBA0C84406}"/>
-                    </a:ext>
-                  </a:extLst>
-                </p:cNvPr>
-                <p:cNvSpPr/>
-                <p:nvPr/>
-              </p:nvSpPr>
-              <p:spPr>
-                <a:xfrm>
-                  <a:off x="5579709" y="5443245"/>
-                  <a:ext cx="3308957" cy="497673"/>
-                </a:xfrm>
-                <a:prstGeom prst="roundRect">
-                  <a:avLst/>
-                </a:prstGeom>
-                <a:noFill/>
-                <a:ln>
-                  <a:noFill/>
-                </a:ln>
-              </p:spPr>
-              <p:style>
-                <a:lnRef idx="2">
-                  <a:schemeClr val="accent1">
-                    <a:shade val="15000"/>
-                  </a:schemeClr>
-                </a:lnRef>
-                <a:fillRef idx="1">
-                  <a:schemeClr val="accent1"/>
-                </a:fillRef>
-                <a:effectRef idx="0">
-                  <a:schemeClr val="accent1"/>
-                </a:effectRef>
-                <a:fontRef idx="minor">
-                  <a:schemeClr val="lt1"/>
-                </a:fontRef>
-              </p:style>
-              <p:txBody>
-                <a:bodyPr rtlCol="0" anchor="ctr"/>
-                <a:lstStyle/>
-                <a:p>
-                  <a:r>
-                    <a:rPr lang="en-US" sz="1200" dirty="0">
-                      <a:solidFill>
-                        <a:sysClr val="windowText" lastClr="000000"/>
-                      </a:solidFill>
-                    </a:rPr>
-                    <a:t>Wrangles and exports the quant data in a format used by the Genomics Core Laboratory (GCL)</a:t>
-                  </a:r>
-                  <a:endParaRPr lang="en-PH" sz="1200" dirty="0">
-                    <a:solidFill>
-                      <a:sysClr val="windowText" lastClr="000000"/>
-                    </a:solidFill>
-                  </a:endParaRPr>
-                </a:p>
-              </p:txBody>
-            </p:sp>
-            <p:sp>
-              <p:nvSpPr>
-                <p:cNvPr id="18" name="TextBox 17">
-                  <a:extLst>
-                    <a:ext uri="{FF2B5EF4-FFF2-40B4-BE49-F238E27FC236}">
-                      <a16:creationId xmlns:a16="http://schemas.microsoft.com/office/drawing/2014/main" id="{2D6909F8-7F28-B681-A194-05E9CA1869F0}"/>
-                    </a:ext>
-                  </a:extLst>
-                </p:cNvPr>
-                <p:cNvSpPr txBox="1"/>
-                <p:nvPr/>
-              </p:nvSpPr>
-              <p:spPr>
-                <a:xfrm>
-                  <a:off x="5579709" y="1165918"/>
-                  <a:ext cx="3308958" cy="830997"/>
-                </a:xfrm>
-                <a:prstGeom prst="rect">
-                  <a:avLst/>
-                </a:prstGeom>
-                <a:noFill/>
-              </p:spPr>
-              <p:txBody>
-                <a:bodyPr wrap="square">
-                  <a:spAutoFit/>
-                </a:bodyPr>
-                <a:lstStyle/>
-                <a:p>
-                  <a:r>
-                    <a:rPr lang="en-PH" sz="1200" dirty="0">
-                      <a:solidFill>
-                        <a:sysClr val="windowText" lastClr="000000"/>
-                      </a:solidFill>
-                    </a:rPr>
-                    <a:t>Loads the csv files and merges them based on the wells in the plate reader. Separates the standard (training set) from the samples (testing set).</a:t>
-                  </a:r>
-                </a:p>
-              </p:txBody>
-            </p:sp>
-            <p:grpSp>
-              <p:nvGrpSpPr>
-                <p:cNvPr id="59" name="Group 58">
-                  <a:extLst>
-                    <a:ext uri="{FF2B5EF4-FFF2-40B4-BE49-F238E27FC236}">
-                      <a16:creationId xmlns:a16="http://schemas.microsoft.com/office/drawing/2014/main" id="{D63CD509-989D-C825-E9FD-57C97CBF4EBB}"/>
-                    </a:ext>
-                  </a:extLst>
-                </p:cNvPr>
-                <p:cNvGrpSpPr/>
-                <p:nvPr/>
-              </p:nvGrpSpPr>
-              <p:grpSpPr>
-                <a:xfrm>
-                  <a:off x="3978576" y="788143"/>
-                  <a:ext cx="3014199" cy="4680431"/>
-                  <a:chOff x="3978576" y="788143"/>
-                  <a:chExt cx="3014199" cy="4680431"/>
-                </a:xfrm>
-              </p:grpSpPr>
-              <p:grpSp>
-                <p:nvGrpSpPr>
-                  <p:cNvPr id="56" name="Group 55">
-                    <a:extLst>
-                      <a:ext uri="{FF2B5EF4-FFF2-40B4-BE49-F238E27FC236}">
-                        <a16:creationId xmlns:a16="http://schemas.microsoft.com/office/drawing/2014/main" id="{6A07D46A-22F0-2A92-1FE2-F1C900D4CCEF}"/>
-                      </a:ext>
-                    </a:extLst>
-                  </p:cNvPr>
-                  <p:cNvGrpSpPr/>
-                  <p:nvPr/>
-                </p:nvGrpSpPr>
-                <p:grpSpPr>
-                  <a:xfrm>
-                    <a:off x="3978576" y="788143"/>
-                    <a:ext cx="3014199" cy="4680431"/>
-                    <a:chOff x="4070858" y="400039"/>
-                    <a:chExt cx="3014199" cy="4680431"/>
-                  </a:xfrm>
-                </p:grpSpPr>
-                <p:sp>
-                  <p:nvSpPr>
-                    <p:cNvPr id="8" name="Rectangle: Rounded Corners 7">
-                      <a:extLst>
-                        <a:ext uri="{FF2B5EF4-FFF2-40B4-BE49-F238E27FC236}">
-                          <a16:creationId xmlns:a16="http://schemas.microsoft.com/office/drawing/2014/main" id="{7E042F09-D22B-933F-41D2-574869ACFD08}"/>
-                        </a:ext>
-                      </a:extLst>
-                    </p:cNvPr>
-                    <p:cNvSpPr/>
-                    <p:nvPr/>
-                  </p:nvSpPr>
-                  <p:spPr>
-                    <a:xfrm>
-                      <a:off x="4412283" y="400039"/>
-                      <a:ext cx="2331349" cy="371458"/>
-                    </a:xfrm>
-                    <a:prstGeom prst="roundRect">
-                      <a:avLst/>
-                    </a:prstGeom>
-                    <a:noFill/>
-                    <a:ln>
-                      <a:noFill/>
-                    </a:ln>
-                  </p:spPr>
-                  <p:style>
-                    <a:lnRef idx="2">
-                      <a:schemeClr val="accent1">
-                        <a:shade val="15000"/>
-                      </a:schemeClr>
-                    </a:lnRef>
-                    <a:fillRef idx="1">
-                      <a:schemeClr val="accent1"/>
-                    </a:fillRef>
-                    <a:effectRef idx="0">
-                      <a:schemeClr val="accent1"/>
-                    </a:effectRef>
-                    <a:fontRef idx="minor">
-                      <a:schemeClr val="lt1"/>
-                    </a:fontRef>
-                  </p:style>
-                  <p:txBody>
-                    <a:bodyPr rtlCol="0" anchor="ctr"/>
-                    <a:lstStyle/>
-                    <a:p>
-                      <a:r>
-                        <a:rPr lang="en-PH" dirty="0" err="1">
-                          <a:solidFill>
-                            <a:sysClr val="windowText" lastClr="000000"/>
-                          </a:solidFill>
-                          <a:latin typeface="Consolas" panose="020B0609020204030204" pitchFamily="49" charset="0"/>
-                        </a:rPr>
-                        <a:t>load_quant_files</a:t>
-                      </a:r>
-                      <a:endParaRPr lang="en-PH" dirty="0">
-                        <a:solidFill>
-                          <a:sysClr val="windowText" lastClr="000000"/>
-                        </a:solidFill>
-                        <a:latin typeface="Consolas" panose="020B0609020204030204" pitchFamily="49" charset="0"/>
-                      </a:endParaRPr>
-                    </a:p>
-                  </p:txBody>
-                </p:sp>
-                <p:sp>
-                  <p:nvSpPr>
-                    <p:cNvPr id="32" name="Rectangle: Rounded Corners 31">
-                      <a:extLst>
-                        <a:ext uri="{FF2B5EF4-FFF2-40B4-BE49-F238E27FC236}">
-                          <a16:creationId xmlns:a16="http://schemas.microsoft.com/office/drawing/2014/main" id="{F57D84DB-EEC3-0AA8-3D3A-CF44B0109650}"/>
-                        </a:ext>
-                      </a:extLst>
-                    </p:cNvPr>
-                    <p:cNvSpPr/>
-                    <p:nvPr/>
-                  </p:nvSpPr>
-                  <p:spPr>
-                    <a:xfrm>
-                      <a:off x="4070859" y="1836363"/>
-                      <a:ext cx="3014198" cy="371458"/>
-                    </a:xfrm>
-                    <a:prstGeom prst="roundRect">
-                      <a:avLst/>
-                    </a:prstGeom>
-                    <a:noFill/>
-                    <a:ln>
-                      <a:noFill/>
-                    </a:ln>
-                  </p:spPr>
-                  <p:style>
-                    <a:lnRef idx="2">
-                      <a:schemeClr val="accent1">
-                        <a:shade val="15000"/>
-                      </a:schemeClr>
-                    </a:lnRef>
-                    <a:fillRef idx="1">
-                      <a:schemeClr val="accent1"/>
-                    </a:fillRef>
-                    <a:effectRef idx="0">
-                      <a:schemeClr val="accent1"/>
-                    </a:effectRef>
-                    <a:fontRef idx="minor">
-                      <a:schemeClr val="lt1"/>
-                    </a:fontRef>
-                  </p:style>
-                  <p:txBody>
-                    <a:bodyPr rtlCol="0" anchor="ctr"/>
-                    <a:lstStyle/>
-                    <a:p>
-                      <a:pPr algn="ctr"/>
-                      <a:r>
-                        <a:rPr lang="en-PH" dirty="0" err="1">
-                          <a:solidFill>
-                            <a:sysClr val="windowText" lastClr="000000"/>
-                          </a:solidFill>
-                          <a:latin typeface="Consolas" panose="020B0609020204030204" pitchFamily="49" charset="0"/>
-                        </a:rPr>
-                        <a:t>train_quant_standards</a:t>
-                      </a:r>
-                      <a:endParaRPr lang="en-PH" dirty="0">
-                        <a:solidFill>
-                          <a:sysClr val="windowText" lastClr="000000"/>
-                        </a:solidFill>
-                        <a:latin typeface="Consolas" panose="020B0609020204030204" pitchFamily="49" charset="0"/>
-                      </a:endParaRPr>
-                    </a:p>
-                  </p:txBody>
-                </p:sp>
-                <p:sp>
-                  <p:nvSpPr>
-                    <p:cNvPr id="33" name="Rectangle: Rounded Corners 32">
-                      <a:extLst>
-                        <a:ext uri="{FF2B5EF4-FFF2-40B4-BE49-F238E27FC236}">
-                          <a16:creationId xmlns:a16="http://schemas.microsoft.com/office/drawing/2014/main" id="{70A3E1B5-988C-9FD3-8147-A371D531051F}"/>
-                        </a:ext>
-                      </a:extLst>
-                    </p:cNvPr>
-                    <p:cNvSpPr/>
-                    <p:nvPr/>
-                  </p:nvSpPr>
-                  <p:spPr>
-                    <a:xfrm>
-                      <a:off x="4070858" y="3272687"/>
-                      <a:ext cx="3014198" cy="371458"/>
-                    </a:xfrm>
-                    <a:prstGeom prst="roundRect">
-                      <a:avLst/>
-                    </a:prstGeom>
-                    <a:noFill/>
-                    <a:ln>
-                      <a:noFill/>
-                    </a:ln>
-                  </p:spPr>
-                  <p:style>
-                    <a:lnRef idx="2">
-                      <a:schemeClr val="accent1">
-                        <a:shade val="15000"/>
-                      </a:schemeClr>
-                    </a:lnRef>
-                    <a:fillRef idx="1">
-                      <a:schemeClr val="accent1"/>
-                    </a:fillRef>
-                    <a:effectRef idx="0">
-                      <a:schemeClr val="accent1"/>
-                    </a:effectRef>
-                    <a:fontRef idx="minor">
-                      <a:schemeClr val="lt1"/>
-                    </a:fontRef>
-                  </p:style>
-                  <p:txBody>
-                    <a:bodyPr rtlCol="0" anchor="ctr"/>
-                    <a:lstStyle/>
-                    <a:p>
-                      <a:pPr algn="ctr"/>
-                      <a:r>
-                        <a:rPr lang="en-PH" dirty="0" err="1">
-                          <a:solidFill>
-                            <a:sysClr val="windowText" lastClr="000000"/>
-                          </a:solidFill>
-                          <a:latin typeface="Consolas" panose="020B0609020204030204" pitchFamily="49" charset="0"/>
-                        </a:rPr>
-                        <a:t>quant_dna</a:t>
-                      </a:r>
-                      <a:endParaRPr lang="en-PH" dirty="0">
-                        <a:solidFill>
-                          <a:sysClr val="windowText" lastClr="000000"/>
-                        </a:solidFill>
-                        <a:latin typeface="Consolas" panose="020B0609020204030204" pitchFamily="49" charset="0"/>
-                      </a:endParaRPr>
-                    </a:p>
-                  </p:txBody>
-                </p:sp>
-                <p:sp>
-                  <p:nvSpPr>
-                    <p:cNvPr id="35" name="Rectangle: Rounded Corners 34">
-                      <a:extLst>
-                        <a:ext uri="{FF2B5EF4-FFF2-40B4-BE49-F238E27FC236}">
-                          <a16:creationId xmlns:a16="http://schemas.microsoft.com/office/drawing/2014/main" id="{5F171BB2-83B9-CE4C-FA46-AB13223D248D}"/>
-                        </a:ext>
-                      </a:extLst>
-                    </p:cNvPr>
-                    <p:cNvSpPr/>
-                    <p:nvPr/>
-                  </p:nvSpPr>
-                  <p:spPr>
-                    <a:xfrm>
-                      <a:off x="4070858" y="4709012"/>
-                      <a:ext cx="3014198" cy="371458"/>
-                    </a:xfrm>
-                    <a:prstGeom prst="roundRect">
-                      <a:avLst/>
-                    </a:prstGeom>
-                    <a:noFill/>
-                    <a:ln>
-                      <a:noFill/>
-                    </a:ln>
-                  </p:spPr>
-                  <p:style>
-                    <a:lnRef idx="2">
-                      <a:schemeClr val="accent1">
-                        <a:shade val="15000"/>
-                      </a:schemeClr>
-                    </a:lnRef>
-                    <a:fillRef idx="1">
-                      <a:schemeClr val="accent1"/>
-                    </a:fillRef>
-                    <a:effectRef idx="0">
-                      <a:schemeClr val="accent1"/>
-                    </a:effectRef>
-                    <a:fontRef idx="minor">
-                      <a:schemeClr val="lt1"/>
-                    </a:fontRef>
-                  </p:style>
-                  <p:txBody>
-                    <a:bodyPr rtlCol="0" anchor="ctr"/>
-                    <a:lstStyle/>
-                    <a:p>
-                      <a:pPr algn="ctr"/>
-                      <a:r>
-                        <a:rPr lang="en-PH" dirty="0" err="1">
-                          <a:solidFill>
-                            <a:sysClr val="windowText" lastClr="000000"/>
-                          </a:solidFill>
-                          <a:latin typeface="Consolas" panose="020B0609020204030204" pitchFamily="49" charset="0"/>
-                        </a:rPr>
-                        <a:t>export_quant_report</a:t>
-                      </a:r>
-                      <a:endParaRPr lang="en-PH" dirty="0">
-                        <a:solidFill>
-                          <a:sysClr val="windowText" lastClr="000000"/>
-                        </a:solidFill>
-                        <a:latin typeface="Consolas" panose="020B0609020204030204" pitchFamily="49" charset="0"/>
-                      </a:endParaRPr>
-                    </a:p>
-                  </p:txBody>
-                </p:sp>
-              </p:grpSp>
-              <p:cxnSp>
-                <p:nvCxnSpPr>
-                  <p:cNvPr id="38" name="Straight Arrow Connector 13">
-                    <a:extLst>
-                      <a:ext uri="{FF2B5EF4-FFF2-40B4-BE49-F238E27FC236}">
-                        <a16:creationId xmlns:a16="http://schemas.microsoft.com/office/drawing/2014/main" id="{A17A7856-F6ED-5448-805F-75BD204C05EF}"/>
-                      </a:ext>
-                    </a:extLst>
-                  </p:cNvPr>
-                  <p:cNvCxnSpPr>
-                    <a:cxnSpLocks/>
-                    <a:stCxn id="8" idx="2"/>
-                    <a:endCxn id="32" idx="0"/>
-                  </p:cNvCxnSpPr>
-                  <p:nvPr/>
-                </p:nvCxnSpPr>
-                <p:spPr>
-                  <a:xfrm>
-                    <a:off x="5485676" y="1159601"/>
-                    <a:ext cx="0" cy="1064866"/>
-                  </a:xfrm>
-                  <a:prstGeom prst="straightConnector1">
-                    <a:avLst/>
-                  </a:prstGeom>
-                  <a:ln>
-                    <a:solidFill>
-                      <a:schemeClr val="tx1"/>
-                    </a:solidFill>
-                    <a:tailEnd type="triangle"/>
-                  </a:ln>
-                </p:spPr>
-                <p:style>
-                  <a:lnRef idx="2">
-                    <a:schemeClr val="accent1"/>
-                  </a:lnRef>
-                  <a:fillRef idx="0">
-                    <a:schemeClr val="accent1"/>
-                  </a:fillRef>
-                  <a:effectRef idx="1">
-                    <a:schemeClr val="accent1"/>
-                  </a:effectRef>
-                  <a:fontRef idx="minor">
-                    <a:schemeClr val="tx1"/>
-                  </a:fontRef>
-                </p:style>
-              </p:cxnSp>
-              <p:cxnSp>
-                <p:nvCxnSpPr>
-                  <p:cNvPr id="44" name="Straight Arrow Connector 13">
-                    <a:extLst>
-                      <a:ext uri="{FF2B5EF4-FFF2-40B4-BE49-F238E27FC236}">
-                        <a16:creationId xmlns:a16="http://schemas.microsoft.com/office/drawing/2014/main" id="{7A444421-1C85-554C-2700-1056639F5114}"/>
-                      </a:ext>
-                    </a:extLst>
-                  </p:cNvPr>
-                  <p:cNvCxnSpPr>
-                    <a:cxnSpLocks/>
-                    <a:stCxn id="32" idx="2"/>
-                    <a:endCxn id="33" idx="0"/>
-                  </p:cNvCxnSpPr>
-                  <p:nvPr/>
-                </p:nvCxnSpPr>
-                <p:spPr>
-                  <a:xfrm flipH="1">
-                    <a:off x="5485675" y="2595925"/>
-                    <a:ext cx="1" cy="1064866"/>
-                  </a:xfrm>
-                  <a:prstGeom prst="straightConnector1">
-                    <a:avLst/>
-                  </a:prstGeom>
-                  <a:ln>
-                    <a:solidFill>
-                      <a:schemeClr val="tx1"/>
-                    </a:solidFill>
-                    <a:tailEnd type="triangle"/>
-                  </a:ln>
-                </p:spPr>
-                <p:style>
-                  <a:lnRef idx="2">
-                    <a:schemeClr val="accent1"/>
-                  </a:lnRef>
-                  <a:fillRef idx="0">
-                    <a:schemeClr val="accent1"/>
-                  </a:fillRef>
-                  <a:effectRef idx="1">
-                    <a:schemeClr val="accent1"/>
-                  </a:effectRef>
-                  <a:fontRef idx="minor">
-                    <a:schemeClr val="tx1"/>
-                  </a:fontRef>
-                </p:style>
-              </p:cxnSp>
-              <p:cxnSp>
-                <p:nvCxnSpPr>
-                  <p:cNvPr id="52" name="Straight Arrow Connector 13">
-                    <a:extLst>
-                      <a:ext uri="{FF2B5EF4-FFF2-40B4-BE49-F238E27FC236}">
-                        <a16:creationId xmlns:a16="http://schemas.microsoft.com/office/drawing/2014/main" id="{357C2FFE-434A-27F9-B3ED-AA9CDEEAB264}"/>
-                      </a:ext>
-                    </a:extLst>
-                  </p:cNvPr>
-                  <p:cNvCxnSpPr>
-                    <a:cxnSpLocks/>
-                    <a:stCxn id="33" idx="2"/>
-                    <a:endCxn id="35" idx="0"/>
-                  </p:cNvCxnSpPr>
-                  <p:nvPr/>
-                </p:nvCxnSpPr>
-                <p:spPr>
-                  <a:xfrm>
-                    <a:off x="5485675" y="4032249"/>
-                    <a:ext cx="0" cy="1064867"/>
-                  </a:xfrm>
-                  <a:prstGeom prst="straightConnector1">
-                    <a:avLst/>
-                  </a:prstGeom>
-                  <a:ln>
-                    <a:solidFill>
-                      <a:schemeClr val="tx1"/>
-                    </a:solidFill>
-                    <a:tailEnd type="triangle"/>
-                  </a:ln>
-                </p:spPr>
-                <p:style>
-                  <a:lnRef idx="2">
-                    <a:schemeClr val="accent1"/>
-                  </a:lnRef>
-                  <a:fillRef idx="0">
-                    <a:schemeClr val="accent1"/>
-                  </a:fillRef>
-                  <a:effectRef idx="1">
-                    <a:schemeClr val="accent1"/>
-                  </a:effectRef>
-                  <a:fontRef idx="minor">
-                    <a:schemeClr val="tx1"/>
-                  </a:fontRef>
-                </p:style>
-              </p:cxnSp>
-            </p:grpSp>
-          </p:grpSp>
-          <p:sp>
-            <p:nvSpPr>
-              <p:cNvPr id="65" name="Rectangle: Rounded Corners 64">
-                <a:extLst>
-                  <a:ext uri="{FF2B5EF4-FFF2-40B4-BE49-F238E27FC236}">
-                    <a16:creationId xmlns:a16="http://schemas.microsoft.com/office/drawing/2014/main" id="{9CFA6158-797A-0A2E-90F9-1495D60CF970}"/>
-                  </a:ext>
-                </a:extLst>
-              </p:cNvPr>
-              <p:cNvSpPr/>
-              <p:nvPr/>
-            </p:nvSpPr>
-            <p:spPr>
-              <a:xfrm>
-                <a:off x="4035803" y="707884"/>
-                <a:ext cx="4795637" cy="5361973"/>
-              </a:xfrm>
-              <a:prstGeom prst="roundRect">
-                <a:avLst>
-                  <a:gd name="adj" fmla="val 0"/>
-                </a:avLst>
-              </a:prstGeom>
-              <a:noFill/>
-            </p:spPr>
-            <p:style>
-              <a:lnRef idx="2">
-                <a:schemeClr val="accent1">
-                  <a:shade val="15000"/>
-                </a:schemeClr>
-              </a:lnRef>
-              <a:fillRef idx="1">
-                <a:schemeClr val="accent1"/>
-              </a:fillRef>
-              <a:effectRef idx="0">
-                <a:schemeClr val="accent1"/>
-              </a:effectRef>
-              <a:fontRef idx="minor">
-                <a:schemeClr val="lt1"/>
-              </a:fontRef>
-            </p:style>
-            <p:txBody>
-              <a:bodyPr rtlCol="0" anchor="ctr"/>
-              <a:lstStyle/>
-              <a:p>
-                <a:pPr algn="ctr"/>
-                <a:endParaRPr lang="en-PH" dirty="0"/>
-              </a:p>
-            </p:txBody>
-          </p:sp>
-        </p:grpSp>
-        <p:sp>
-          <p:nvSpPr>
-            <p:cNvPr id="68" name="Rectangle: Rounded Corners 67">
-              <a:extLst>
-                <a:ext uri="{FF2B5EF4-FFF2-40B4-BE49-F238E27FC236}">
-                  <a16:creationId xmlns:a16="http://schemas.microsoft.com/office/drawing/2014/main" id="{19D93462-3A91-89C6-9D45-165AEEFD5BF9}"/>
-                </a:ext>
-              </a:extLst>
-            </p:cNvPr>
-            <p:cNvSpPr/>
-            <p:nvPr/>
-          </p:nvSpPr>
-          <p:spPr>
-            <a:xfrm>
-              <a:off x="9183352" y="1045146"/>
-              <a:ext cx="2793727" cy="3877626"/>
-            </a:xfrm>
-            <a:prstGeom prst="roundRect">
-              <a:avLst>
-                <a:gd name="adj" fmla="val 0"/>
-              </a:avLst>
-            </a:prstGeom>
-            <a:noFill/>
-          </p:spPr>
-          <p:style>
-            <a:lnRef idx="2">
-              <a:schemeClr val="accent1">
-                <a:shade val="15000"/>
-              </a:schemeClr>
-            </a:lnRef>
-            <a:fillRef idx="1">
-              <a:schemeClr val="accent1"/>
-            </a:fillRef>
-            <a:effectRef idx="0">
-              <a:schemeClr val="accent1"/>
-            </a:effectRef>
-            <a:fontRef idx="minor">
-              <a:schemeClr val="lt1"/>
-            </a:fontRef>
-          </p:style>
-          <p:txBody>
-            <a:bodyPr rtlCol="0" anchor="ctr"/>
-            <a:lstStyle/>
-            <a:p>
-              <a:r>
-                <a:rPr lang="en-PH" dirty="0">
-                  <a:solidFill>
-                    <a:sysClr val="windowText" lastClr="000000"/>
-                  </a:solidFill>
-                </a:rPr>
-                <a:t>An excel sheet (“quant_report.xlsx”) with the following tabs:</a:t>
-              </a:r>
-            </a:p>
-            <a:p>
-              <a:endParaRPr lang="en-PH" dirty="0">
-                <a:solidFill>
-                  <a:sysClr val="windowText" lastClr="000000"/>
-                </a:solidFill>
-              </a:endParaRPr>
-            </a:p>
-            <a:p>
-              <a:pPr marL="342900" indent="-342900">
-                <a:buAutoNum type="arabicParenR"/>
-              </a:pPr>
-              <a:r>
-                <a:rPr lang="en-PH" b="1" dirty="0" err="1">
-                  <a:solidFill>
-                    <a:sysClr val="windowText" lastClr="000000"/>
-                  </a:solidFill>
-                </a:rPr>
-                <a:t>quant_data</a:t>
-              </a:r>
-              <a:endParaRPr lang="en-PH" b="1" dirty="0">
-                <a:solidFill>
-                  <a:sysClr val="windowText" lastClr="000000"/>
-                </a:solidFill>
-              </a:endParaRPr>
-            </a:p>
-            <a:p>
-              <a:pPr marL="342900" indent="-342900">
-                <a:buAutoNum type="arabicParenR"/>
-              </a:pPr>
-              <a:r>
-                <a:rPr lang="en-PH" b="1" dirty="0" err="1">
-                  <a:solidFill>
-                    <a:sysClr val="windowText" lastClr="000000"/>
-                  </a:solidFill>
-                </a:rPr>
-                <a:t>quant_standard</a:t>
-              </a:r>
-              <a:endParaRPr lang="en-PH" b="1" dirty="0">
-                <a:solidFill>
-                  <a:sysClr val="windowText" lastClr="000000"/>
-                </a:solidFill>
-              </a:endParaRPr>
-            </a:p>
-            <a:p>
-              <a:pPr marL="342900" indent="-342900">
-                <a:buAutoNum type="arabicParenR"/>
-              </a:pPr>
-              <a:r>
-                <a:rPr lang="en-PH" b="1" dirty="0" err="1">
-                  <a:solidFill>
-                    <a:sysClr val="windowText" lastClr="000000"/>
-                  </a:solidFill>
-                </a:rPr>
-                <a:t>quant_report</a:t>
-              </a:r>
-              <a:endParaRPr lang="en-PH" b="1" dirty="0">
-                <a:solidFill>
-                  <a:sysClr val="windowText" lastClr="000000"/>
-                </a:solidFill>
-              </a:endParaRPr>
-            </a:p>
-          </p:txBody>
-        </p:sp>
       </p:grpSp>
     </p:spTree>
     <p:extLst>
